--- a/Injuries_CR_2022.pptx
+++ b/Injuries_CR_2022.pptx
@@ -5,20 +5,21 @@
     <p:sldMasterId id="2147483720" r:id="rId1"/>
   </p:sldMasterIdLst>
   <p:notesMasterIdLst>
-    <p:notesMasterId r:id="rId13"/>
+    <p:notesMasterId r:id="rId14"/>
   </p:notesMasterIdLst>
   <p:sldIdLst>
     <p:sldId id="256" r:id="rId2"/>
-    <p:sldId id="257" r:id="rId3"/>
-    <p:sldId id="258" r:id="rId4"/>
-    <p:sldId id="260" r:id="rId5"/>
-    <p:sldId id="259" r:id="rId6"/>
-    <p:sldId id="265" r:id="rId7"/>
-    <p:sldId id="264" r:id="rId8"/>
-    <p:sldId id="262" r:id="rId9"/>
-    <p:sldId id="263" r:id="rId10"/>
-    <p:sldId id="261" r:id="rId11"/>
-    <p:sldId id="266" r:id="rId12"/>
+    <p:sldId id="267" r:id="rId3"/>
+    <p:sldId id="257" r:id="rId4"/>
+    <p:sldId id="258" r:id="rId5"/>
+    <p:sldId id="260" r:id="rId6"/>
+    <p:sldId id="259" r:id="rId7"/>
+    <p:sldId id="265" r:id="rId8"/>
+    <p:sldId id="264" r:id="rId9"/>
+    <p:sldId id="262" r:id="rId10"/>
+    <p:sldId id="263" r:id="rId11"/>
+    <p:sldId id="261" r:id="rId12"/>
+    <p:sldId id="266" r:id="rId13"/>
   </p:sldIdLst>
   <p:sldSz cx="12192000" cy="6858000"/>
   <p:notesSz cx="6858000" cy="9144000"/>
@@ -117,6 +118,11 @@
       </a:defRPr>
     </a:lvl9pPr>
   </p:defaultTextStyle>
+  <p:extLst>
+    <p:ext uri="{EFAFB233-063F-42B5-8137-9DF3F51BA10A}">
+      <p15:sldGuideLst xmlns:p15="http://schemas.microsoft.com/office/powerpoint/2012/main"/>
+    </p:ext>
+  </p:extLst>
 </p:presentation>
 </file>
 
@@ -202,7 +208,7 @@
           <a:p>
             <a:fld id="{4A5422EE-AD87-478A-BD85-E993283F32C0}" type="datetimeFigureOut">
               <a:rPr lang="cs-CZ" smtClean="0"/>
-              <a:t>04.05.2025</a:t>
+              <a:t>05.05.2025</a:t>
             </a:fld>
             <a:endParaRPr lang="cs-CZ"/>
           </a:p>
@@ -697,7 +703,7 @@
           <a:p>
             <a:fld id="{5DB13BD3-35BF-41EF-B75B-84365C9DBD4C}" type="slidenum">
               <a:rPr lang="cs-CZ" smtClean="0"/>
-              <a:t>2</a:t>
+              <a:t>3</a:t>
             </a:fld>
             <a:endParaRPr lang="cs-CZ"/>
           </a:p>
@@ -785,7 +791,7 @@
           <a:p>
             <a:fld id="{5DB13BD3-35BF-41EF-B75B-84365C9DBD4C}" type="slidenum">
               <a:rPr lang="cs-CZ" smtClean="0"/>
-              <a:t>11</a:t>
+              <a:t>12</a:t>
             </a:fld>
             <a:endParaRPr lang="cs-CZ"/>
           </a:p>
@@ -1304,7 +1310,7 @@
           <a:p>
             <a:fld id="{5DB13BD3-35BF-41EF-B75B-84365C9DBD4C}" type="slidenum">
               <a:rPr lang="cs-CZ" smtClean="0"/>
-              <a:t>3</a:t>
+              <a:t>4</a:t>
             </a:fld>
             <a:endParaRPr lang="cs-CZ"/>
           </a:p>
@@ -1502,7 +1508,7 @@
           <a:p>
             <a:fld id="{5DB13BD3-35BF-41EF-B75B-84365C9DBD4C}" type="slidenum">
               <a:rPr lang="cs-CZ" smtClean="0"/>
-              <a:t>4</a:t>
+              <a:t>5</a:t>
             </a:fld>
             <a:endParaRPr lang="cs-CZ"/>
           </a:p>
@@ -1696,7 +1702,7 @@
           <a:p>
             <a:fld id="{5DB13BD3-35BF-41EF-B75B-84365C9DBD4C}" type="slidenum">
               <a:rPr lang="cs-CZ" smtClean="0"/>
-              <a:t>5</a:t>
+              <a:t>6</a:t>
             </a:fld>
             <a:endParaRPr lang="cs-CZ"/>
           </a:p>
@@ -1887,7 +1893,7 @@
           <a:p>
             <a:fld id="{5DB13BD3-35BF-41EF-B75B-84365C9DBD4C}" type="slidenum">
               <a:rPr lang="cs-CZ" smtClean="0"/>
-              <a:t>6</a:t>
+              <a:t>7</a:t>
             </a:fld>
             <a:endParaRPr lang="cs-CZ"/>
           </a:p>
@@ -2194,7 +2200,7 @@
           <a:p>
             <a:fld id="{5DB13BD3-35BF-41EF-B75B-84365C9DBD4C}" type="slidenum">
               <a:rPr lang="cs-CZ" smtClean="0"/>
-              <a:t>7</a:t>
+              <a:t>8</a:t>
             </a:fld>
             <a:endParaRPr lang="cs-CZ"/>
           </a:p>
@@ -2377,12 +2383,8 @@
           </a:p>
           <a:p>
             <a:r>
-              <a:rPr lang="cs-CZ" dirty="0" err="1"/>
-              <a:t>Injuries</a:t>
-            </a:r>
-            <a:r>
-              <a:rPr lang="cs-CZ" dirty="0"/>
-              <a:t> </a:t>
+              <a:rPr lang="cs-CZ" dirty="0"/>
+              <a:t>Injuries </a:t>
             </a:r>
             <a:r>
               <a:rPr lang="cs-CZ" dirty="0" err="1"/>
@@ -2479,7 +2481,7 @@
           <a:p>
             <a:fld id="{5DB13BD3-35BF-41EF-B75B-84365C9DBD4C}" type="slidenum">
               <a:rPr lang="cs-CZ" smtClean="0"/>
-              <a:t>8</a:t>
+              <a:t>9</a:t>
             </a:fld>
             <a:endParaRPr lang="cs-CZ"/>
           </a:p>
@@ -2656,7 +2658,7 @@
           <a:p>
             <a:fld id="{5DB13BD3-35BF-41EF-B75B-84365C9DBD4C}" type="slidenum">
               <a:rPr lang="cs-CZ" smtClean="0"/>
-              <a:t>9</a:t>
+              <a:t>10</a:t>
             </a:fld>
             <a:endParaRPr lang="cs-CZ"/>
           </a:p>
@@ -2861,7 +2863,7 @@
           <a:p>
             <a:fld id="{5DB13BD3-35BF-41EF-B75B-84365C9DBD4C}" type="slidenum">
               <a:rPr lang="cs-CZ" smtClean="0"/>
-              <a:t>10</a:t>
+              <a:t>11</a:t>
             </a:fld>
             <a:endParaRPr lang="cs-CZ"/>
           </a:p>
@@ -3049,7 +3051,7 @@
           <a:p>
             <a:fld id="{DC5C9EA2-D830-4513-B227-4FBFAE3A4857}" type="datetimeFigureOut">
               <a:rPr lang="cs-CZ" smtClean="0"/>
-              <a:t>04.05.2025</a:t>
+              <a:t>05.05.2025</a:t>
             </a:fld>
             <a:endParaRPr lang="cs-CZ"/>
           </a:p>
@@ -3379,7 +3381,7 @@
           <a:p>
             <a:fld id="{DC5C9EA2-D830-4513-B227-4FBFAE3A4857}" type="datetimeFigureOut">
               <a:rPr lang="cs-CZ" smtClean="0"/>
-              <a:t>04.05.2025</a:t>
+              <a:t>05.05.2025</a:t>
             </a:fld>
             <a:endParaRPr lang="cs-CZ"/>
           </a:p>
@@ -3559,7 +3561,7 @@
           <a:p>
             <a:fld id="{DC5C9EA2-D830-4513-B227-4FBFAE3A4857}" type="datetimeFigureOut">
               <a:rPr lang="cs-CZ" smtClean="0"/>
-              <a:t>04.05.2025</a:t>
+              <a:t>05.05.2025</a:t>
             </a:fld>
             <a:endParaRPr lang="cs-CZ"/>
           </a:p>
@@ -3729,7 +3731,7 @@
           <a:p>
             <a:fld id="{DC5C9EA2-D830-4513-B227-4FBFAE3A4857}" type="datetimeFigureOut">
               <a:rPr lang="cs-CZ" smtClean="0"/>
-              <a:t>04.05.2025</a:t>
+              <a:t>05.05.2025</a:t>
             </a:fld>
             <a:endParaRPr lang="cs-CZ"/>
           </a:p>
@@ -4006,7 +4008,7 @@
           <a:p>
             <a:fld id="{DC5C9EA2-D830-4513-B227-4FBFAE3A4857}" type="datetimeFigureOut">
               <a:rPr lang="cs-CZ" smtClean="0"/>
-              <a:t>04.05.2025</a:t>
+              <a:t>05.05.2025</a:t>
             </a:fld>
             <a:endParaRPr lang="cs-CZ"/>
           </a:p>
@@ -4400,7 +4402,7 @@
           <a:p>
             <a:fld id="{DC5C9EA2-D830-4513-B227-4FBFAE3A4857}" type="datetimeFigureOut">
               <a:rPr lang="cs-CZ" smtClean="0"/>
-              <a:t>04.05.2025</a:t>
+              <a:t>05.05.2025</a:t>
             </a:fld>
             <a:endParaRPr lang="cs-CZ"/>
           </a:p>
@@ -4877,7 +4879,7 @@
           <a:p>
             <a:fld id="{DC5C9EA2-D830-4513-B227-4FBFAE3A4857}" type="datetimeFigureOut">
               <a:rPr lang="cs-CZ" smtClean="0"/>
-              <a:t>04.05.2025</a:t>
+              <a:t>05.05.2025</a:t>
             </a:fld>
             <a:endParaRPr lang="cs-CZ"/>
           </a:p>
@@ -4995,7 +4997,7 @@
           <a:p>
             <a:fld id="{DC5C9EA2-D830-4513-B227-4FBFAE3A4857}" type="datetimeFigureOut">
               <a:rPr lang="cs-CZ" smtClean="0"/>
-              <a:t>04.05.2025</a:t>
+              <a:t>05.05.2025</a:t>
             </a:fld>
             <a:endParaRPr lang="cs-CZ"/>
           </a:p>
@@ -5090,7 +5092,7 @@
           <a:p>
             <a:fld id="{DC5C9EA2-D830-4513-B227-4FBFAE3A4857}" type="datetimeFigureOut">
               <a:rPr lang="cs-CZ" smtClean="0"/>
-              <a:t>04.05.2025</a:t>
+              <a:t>05.05.2025</a:t>
             </a:fld>
             <a:endParaRPr lang="cs-CZ"/>
           </a:p>
@@ -5436,7 +5438,7 @@
           <a:p>
             <a:fld id="{DC5C9EA2-D830-4513-B227-4FBFAE3A4857}" type="datetimeFigureOut">
               <a:rPr lang="cs-CZ" smtClean="0"/>
-              <a:t>04.05.2025</a:t>
+              <a:t>05.05.2025</a:t>
             </a:fld>
             <a:endParaRPr lang="cs-CZ"/>
           </a:p>
@@ -5824,7 +5826,7 @@
           <a:p>
             <a:fld id="{DC5C9EA2-D830-4513-B227-4FBFAE3A4857}" type="datetimeFigureOut">
               <a:rPr lang="cs-CZ" smtClean="0"/>
-              <a:t>04.05.2025</a:t>
+              <a:t>05.05.2025</a:t>
             </a:fld>
             <a:endParaRPr lang="cs-CZ"/>
           </a:p>
@@ -6102,7 +6104,7 @@
           <a:p>
             <a:fld id="{DC5C9EA2-D830-4513-B227-4FBFAE3A4857}" type="datetimeFigureOut">
               <a:rPr lang="cs-CZ" smtClean="0"/>
-              <a:t>04.05.2025</a:t>
+              <a:t>05.05.2025</a:t>
             </a:fld>
             <a:endParaRPr lang="cs-CZ"/>
           </a:p>
@@ -6902,12 +6904,8 @@
           <a:p>
             <a:pPr algn="l"/>
             <a:r>
-              <a:rPr lang="cs-CZ" sz="6600" dirty="0" err="1"/>
-              <a:t>Injuries</a:t>
-            </a:r>
-            <a:r>
               <a:rPr lang="cs-CZ" sz="6600" dirty="0"/>
-              <a:t> in </a:t>
+              <a:t>Injuries in </a:t>
             </a:r>
             <a:r>
               <a:rPr lang="cs-CZ" sz="6600" dirty="0" err="1"/>
@@ -6993,6 +6991,528 @@
 </file>
 
 <file path=ppt/slides/slide10.xml><?xml version="1.0" encoding="utf-8"?>
+<p:sld xmlns:a="http://schemas.openxmlformats.org/drawingml/2006/main" xmlns:r="http://schemas.openxmlformats.org/officeDocument/2006/relationships" xmlns:p="http://schemas.openxmlformats.org/presentationml/2006/main">
+  <p:cSld>
+    <p:bg>
+      <p:bgPr>
+        <a:solidFill>
+          <a:schemeClr val="bg2"/>
+        </a:solidFill>
+        <a:effectLst/>
+      </p:bgPr>
+    </p:bg>
+    <p:spTree>
+      <p:nvGrpSpPr>
+        <p:cNvPr id="1" name="">
+          <a:extLst>
+            <a:ext uri="{FF2B5EF4-FFF2-40B4-BE49-F238E27FC236}">
+              <a16:creationId xmlns:a16="http://schemas.microsoft.com/office/drawing/2014/main" id="{201F0BCA-568C-0C12-B9E2-8AE477317CA5}"/>
+            </a:ext>
+          </a:extLst>
+        </p:cNvPr>
+        <p:cNvGrpSpPr/>
+        <p:nvPr/>
+      </p:nvGrpSpPr>
+      <p:grpSpPr>
+        <a:xfrm>
+          <a:off x="0" y="0"/>
+          <a:ext cx="0" cy="0"/>
+          <a:chOff x="0" y="0"/>
+          <a:chExt cx="0" cy="0"/>
+        </a:xfrm>
+      </p:grpSpPr>
+      <p:sp>
+        <p:nvSpPr>
+          <p:cNvPr id="44" name="Rectangle 43">
+            <a:extLst>
+              <a:ext uri="{FF2B5EF4-FFF2-40B4-BE49-F238E27FC236}">
+                <a16:creationId xmlns:a16="http://schemas.microsoft.com/office/drawing/2014/main" id="{AA6EC888-B85F-410F-B430-06583E94BEEC}"/>
+              </a:ext>
+              <a:ext uri="{C183D7F6-B498-43B3-948B-1728B52AA6E4}">
+                <adec:decorative xmlns:adec="http://schemas.microsoft.com/office/drawing/2017/decorative" val="1"/>
+              </a:ext>
+            </a:extLst>
+          </p:cNvPr>
+          <p:cNvSpPr>
+            <a:spLocks noGrp="1" noRot="1" noChangeAspect="1" noMove="1" noResize="1" noEditPoints="1" noAdjustHandles="1" noChangeArrowheads="1" noChangeShapeType="1" noTextEdit="1"/>
+          </p:cNvSpPr>
+          <p:nvPr>
+            <p:extLst>
+              <p:ext uri="{386F3935-93C4-4BCD-93E2-E3B085C9AB24}">
+                <p16:designElem xmlns:p16="http://schemas.microsoft.com/office/powerpoint/2015/main" val="1"/>
+              </p:ext>
+            </p:extLst>
+          </p:nvPr>
+        </p:nvSpPr>
+        <p:spPr>
+          <a:xfrm>
+            <a:off x="478095" y="376"/>
+            <a:ext cx="228600" cy="6858000"/>
+          </a:xfrm>
+          <a:prstGeom prst="rect">
+            <a:avLst/>
+          </a:prstGeom>
+          <a:solidFill>
+            <a:schemeClr val="tx2"/>
+          </a:solidFill>
+          <a:ln>
+            <a:noFill/>
+          </a:ln>
+        </p:spPr>
+        <p:style>
+          <a:lnRef idx="2">
+            <a:schemeClr val="accent1">
+              <a:shade val="50000"/>
+            </a:schemeClr>
+          </a:lnRef>
+          <a:fillRef idx="1">
+            <a:schemeClr val="accent1"/>
+          </a:fillRef>
+          <a:effectRef idx="0">
+            <a:schemeClr val="accent1"/>
+          </a:effectRef>
+          <a:fontRef idx="minor">
+            <a:schemeClr val="lt1"/>
+          </a:fontRef>
+        </p:style>
+        <p:txBody>
+          <a:bodyPr/>
+          <a:lstStyle/>
+          <a:p>
+            <a:endParaRPr lang="cs-CZ"/>
+          </a:p>
+        </p:txBody>
+      </p:sp>
+      <p:sp>
+        <p:nvSpPr>
+          <p:cNvPr id="46" name="Rectangle 45">
+            <a:extLst>
+              <a:ext uri="{FF2B5EF4-FFF2-40B4-BE49-F238E27FC236}">
+                <a16:creationId xmlns:a16="http://schemas.microsoft.com/office/drawing/2014/main" id="{9485DA84-CB73-4E5E-9864-2460CE28055D}"/>
+              </a:ext>
+              <a:ext uri="{C183D7F6-B498-43B3-948B-1728B52AA6E4}">
+                <adec:decorative xmlns:adec="http://schemas.microsoft.com/office/drawing/2017/decorative" val="1"/>
+              </a:ext>
+            </a:extLst>
+          </p:cNvPr>
+          <p:cNvSpPr>
+            <a:spLocks noGrp="1" noRot="1" noChangeAspect="1" noMove="1" noResize="1" noEditPoints="1" noAdjustHandles="1" noChangeArrowheads="1" noChangeShapeType="1" noTextEdit="1"/>
+          </p:cNvSpPr>
+          <p:nvPr>
+            <p:extLst>
+              <p:ext uri="{386F3935-93C4-4BCD-93E2-E3B085C9AB24}">
+                <p16:designElem xmlns:p16="http://schemas.microsoft.com/office/powerpoint/2015/main" val="1"/>
+              </p:ext>
+            </p:extLst>
+          </p:nvPr>
+        </p:nvSpPr>
+        <p:spPr>
+          <a:xfrm>
+            <a:off x="0" y="0"/>
+            <a:ext cx="12192000" cy="6858000"/>
+          </a:xfrm>
+          <a:prstGeom prst="rect">
+            <a:avLst/>
+          </a:prstGeom>
+          <a:solidFill>
+            <a:schemeClr val="bg2"/>
+          </a:solidFill>
+          <a:ln>
+            <a:noFill/>
+          </a:ln>
+        </p:spPr>
+        <p:style>
+          <a:lnRef idx="2">
+            <a:schemeClr val="accent1">
+              <a:shade val="50000"/>
+            </a:schemeClr>
+          </a:lnRef>
+          <a:fillRef idx="1">
+            <a:schemeClr val="accent1"/>
+          </a:fillRef>
+          <a:effectRef idx="0">
+            <a:schemeClr val="accent1"/>
+          </a:effectRef>
+          <a:fontRef idx="minor">
+            <a:schemeClr val="lt1"/>
+          </a:fontRef>
+        </p:style>
+        <p:txBody>
+          <a:bodyPr rtlCol="0" anchor="ctr"/>
+          <a:lstStyle/>
+          <a:p>
+            <a:pPr algn="ctr"/>
+            <a:endParaRPr lang="en-US"/>
+          </a:p>
+        </p:txBody>
+      </p:sp>
+      <p:sp>
+        <p:nvSpPr>
+          <p:cNvPr id="48" name="Rectangle 47">
+            <a:extLst>
+              <a:ext uri="{FF2B5EF4-FFF2-40B4-BE49-F238E27FC236}">
+                <a16:creationId xmlns:a16="http://schemas.microsoft.com/office/drawing/2014/main" id="{7D49185E-361A-421B-8F2D-11C7FFC686F0}"/>
+              </a:ext>
+              <a:ext uri="{C183D7F6-B498-43B3-948B-1728B52AA6E4}">
+                <adec:decorative xmlns:adec="http://schemas.microsoft.com/office/drawing/2017/decorative" val="1"/>
+              </a:ext>
+            </a:extLst>
+          </p:cNvPr>
+          <p:cNvSpPr>
+            <a:spLocks noGrp="1" noRot="1" noChangeAspect="1" noMove="1" noResize="1" noEditPoints="1" noAdjustHandles="1" noChangeArrowheads="1" noChangeShapeType="1" noTextEdit="1"/>
+          </p:cNvSpPr>
+          <p:nvPr>
+            <p:extLst>
+              <p:ext uri="{386F3935-93C4-4BCD-93E2-E3B085C9AB24}">
+                <p16:designElem xmlns:p16="http://schemas.microsoft.com/office/powerpoint/2015/main" val="1"/>
+              </p:ext>
+            </p:extLst>
+          </p:nvPr>
+        </p:nvSpPr>
+        <p:spPr>
+          <a:xfrm>
+            <a:off x="0" y="0"/>
+            <a:ext cx="365760" cy="365760"/>
+          </a:xfrm>
+          <a:prstGeom prst="rect">
+            <a:avLst/>
+          </a:prstGeom>
+          <a:solidFill>
+            <a:schemeClr val="tx1"/>
+          </a:solidFill>
+          <a:ln>
+            <a:noFill/>
+          </a:ln>
+        </p:spPr>
+        <p:style>
+          <a:lnRef idx="2">
+            <a:schemeClr val="accent1">
+              <a:shade val="50000"/>
+            </a:schemeClr>
+          </a:lnRef>
+          <a:fillRef idx="1">
+            <a:schemeClr val="accent1"/>
+          </a:fillRef>
+          <a:effectRef idx="0">
+            <a:schemeClr val="accent1"/>
+          </a:effectRef>
+          <a:fontRef idx="minor">
+            <a:schemeClr val="lt1"/>
+          </a:fontRef>
+        </p:style>
+        <p:txBody>
+          <a:bodyPr rtlCol="0" anchor="ctr"/>
+          <a:lstStyle/>
+          <a:p>
+            <a:pPr algn="ctr"/>
+            <a:endParaRPr lang="en-US"/>
+          </a:p>
+        </p:txBody>
+      </p:sp>
+      <p:sp>
+        <p:nvSpPr>
+          <p:cNvPr id="50" name="Rectangle 49">
+            <a:extLst>
+              <a:ext uri="{FF2B5EF4-FFF2-40B4-BE49-F238E27FC236}">
+                <a16:creationId xmlns:a16="http://schemas.microsoft.com/office/drawing/2014/main" id="{14B85BAA-C37F-44B4-B427-B4F10EBB4183}"/>
+              </a:ext>
+              <a:ext uri="{C183D7F6-B498-43B3-948B-1728B52AA6E4}">
+                <adec:decorative xmlns:adec="http://schemas.microsoft.com/office/drawing/2017/decorative" val="1"/>
+              </a:ext>
+            </a:extLst>
+          </p:cNvPr>
+          <p:cNvSpPr>
+            <a:spLocks noGrp="1" noRot="1" noChangeAspect="1" noMove="1" noResize="1" noEditPoints="1" noAdjustHandles="1" noChangeArrowheads="1" noChangeShapeType="1" noTextEdit="1"/>
+          </p:cNvSpPr>
+          <p:nvPr>
+            <p:extLst>
+              <p:ext uri="{386F3935-93C4-4BCD-93E2-E3B085C9AB24}">
+                <p16:designElem xmlns:p16="http://schemas.microsoft.com/office/powerpoint/2015/main" val="1"/>
+              </p:ext>
+            </p:extLst>
+          </p:nvPr>
+        </p:nvSpPr>
+        <p:spPr>
+          <a:xfrm>
+            <a:off x="11826240" y="-4668"/>
+            <a:ext cx="365760" cy="365760"/>
+          </a:xfrm>
+          <a:prstGeom prst="rect">
+            <a:avLst/>
+          </a:prstGeom>
+          <a:solidFill>
+            <a:schemeClr val="tx1"/>
+          </a:solidFill>
+          <a:ln>
+            <a:noFill/>
+          </a:ln>
+        </p:spPr>
+        <p:style>
+          <a:lnRef idx="2">
+            <a:schemeClr val="accent1">
+              <a:shade val="50000"/>
+            </a:schemeClr>
+          </a:lnRef>
+          <a:fillRef idx="1">
+            <a:schemeClr val="accent1"/>
+          </a:fillRef>
+          <a:effectRef idx="0">
+            <a:schemeClr val="accent1"/>
+          </a:effectRef>
+          <a:fontRef idx="minor">
+            <a:schemeClr val="lt1"/>
+          </a:fontRef>
+        </p:style>
+        <p:txBody>
+          <a:bodyPr rtlCol="0" anchor="ctr"/>
+          <a:lstStyle/>
+          <a:p>
+            <a:pPr algn="ctr"/>
+            <a:endParaRPr lang="en-US"/>
+          </a:p>
+        </p:txBody>
+      </p:sp>
+      <p:sp>
+        <p:nvSpPr>
+          <p:cNvPr id="52" name="Rectangle 51">
+            <a:extLst>
+              <a:ext uri="{FF2B5EF4-FFF2-40B4-BE49-F238E27FC236}">
+                <a16:creationId xmlns:a16="http://schemas.microsoft.com/office/drawing/2014/main" id="{EDC4EE06-D7B4-4FAC-A561-38A1C380232A}"/>
+              </a:ext>
+              <a:ext uri="{C183D7F6-B498-43B3-948B-1728B52AA6E4}">
+                <adec:decorative xmlns:adec="http://schemas.microsoft.com/office/drawing/2017/decorative" val="1"/>
+              </a:ext>
+            </a:extLst>
+          </p:cNvPr>
+          <p:cNvSpPr>
+            <a:spLocks noGrp="1" noRot="1" noChangeAspect="1" noMove="1" noResize="1" noEditPoints="1" noAdjustHandles="1" noChangeArrowheads="1" noChangeShapeType="1" noTextEdit="1"/>
+          </p:cNvSpPr>
+          <p:nvPr>
+            <p:extLst>
+              <p:ext uri="{386F3935-93C4-4BCD-93E2-E3B085C9AB24}">
+                <p16:designElem xmlns:p16="http://schemas.microsoft.com/office/powerpoint/2015/main" val="1"/>
+              </p:ext>
+            </p:extLst>
+          </p:nvPr>
+        </p:nvSpPr>
+        <p:spPr>
+          <a:xfrm>
+            <a:off x="0" y="6494325"/>
+            <a:ext cx="365760" cy="365760"/>
+          </a:xfrm>
+          <a:prstGeom prst="rect">
+            <a:avLst/>
+          </a:prstGeom>
+          <a:solidFill>
+            <a:schemeClr val="tx1"/>
+          </a:solidFill>
+          <a:ln>
+            <a:noFill/>
+          </a:ln>
+        </p:spPr>
+        <p:style>
+          <a:lnRef idx="2">
+            <a:schemeClr val="accent1">
+              <a:shade val="50000"/>
+            </a:schemeClr>
+          </a:lnRef>
+          <a:fillRef idx="1">
+            <a:schemeClr val="accent1"/>
+          </a:fillRef>
+          <a:effectRef idx="0">
+            <a:schemeClr val="accent1"/>
+          </a:effectRef>
+          <a:fontRef idx="minor">
+            <a:schemeClr val="lt1"/>
+          </a:fontRef>
+        </p:style>
+        <p:txBody>
+          <a:bodyPr rtlCol="0" anchor="ctr"/>
+          <a:lstStyle/>
+          <a:p>
+            <a:pPr algn="ctr"/>
+            <a:endParaRPr lang="en-US"/>
+          </a:p>
+        </p:txBody>
+      </p:sp>
+      <p:sp>
+        <p:nvSpPr>
+          <p:cNvPr id="54" name="Rectangle 53">
+            <a:extLst>
+              <a:ext uri="{FF2B5EF4-FFF2-40B4-BE49-F238E27FC236}">
+                <a16:creationId xmlns:a16="http://schemas.microsoft.com/office/drawing/2014/main" id="{9018D83B-903C-4782-B1BB-A45164A71F60}"/>
+              </a:ext>
+              <a:ext uri="{C183D7F6-B498-43B3-948B-1728B52AA6E4}">
+                <adec:decorative xmlns:adec="http://schemas.microsoft.com/office/drawing/2017/decorative" val="1"/>
+              </a:ext>
+            </a:extLst>
+          </p:cNvPr>
+          <p:cNvSpPr>
+            <a:spLocks noGrp="1" noRot="1" noChangeAspect="1" noMove="1" noResize="1" noEditPoints="1" noAdjustHandles="1" noChangeArrowheads="1" noChangeShapeType="1" noTextEdit="1"/>
+          </p:cNvSpPr>
+          <p:nvPr>
+            <p:extLst>
+              <p:ext uri="{386F3935-93C4-4BCD-93E2-E3B085C9AB24}">
+                <p16:designElem xmlns:p16="http://schemas.microsoft.com/office/powerpoint/2015/main" val="1"/>
+              </p:ext>
+            </p:extLst>
+          </p:nvPr>
+        </p:nvSpPr>
+        <p:spPr>
+          <a:xfrm>
+            <a:off x="11826240" y="6494325"/>
+            <a:ext cx="365760" cy="365760"/>
+          </a:xfrm>
+          <a:prstGeom prst="rect">
+            <a:avLst/>
+          </a:prstGeom>
+          <a:solidFill>
+            <a:schemeClr val="tx1"/>
+          </a:solidFill>
+          <a:ln>
+            <a:noFill/>
+          </a:ln>
+        </p:spPr>
+        <p:style>
+          <a:lnRef idx="2">
+            <a:schemeClr val="accent1">
+              <a:shade val="50000"/>
+            </a:schemeClr>
+          </a:lnRef>
+          <a:fillRef idx="1">
+            <a:schemeClr val="accent1"/>
+          </a:fillRef>
+          <a:effectRef idx="0">
+            <a:schemeClr val="accent1"/>
+          </a:effectRef>
+          <a:fontRef idx="minor">
+            <a:schemeClr val="lt1"/>
+          </a:fontRef>
+        </p:style>
+        <p:txBody>
+          <a:bodyPr rtlCol="0" anchor="ctr"/>
+          <a:lstStyle/>
+          <a:p>
+            <a:pPr algn="ctr"/>
+            <a:endParaRPr lang="en-US"/>
+          </a:p>
+        </p:txBody>
+      </p:sp>
+      <p:sp>
+        <p:nvSpPr>
+          <p:cNvPr id="56" name="Rectangle 55">
+            <a:extLst>
+              <a:ext uri="{FF2B5EF4-FFF2-40B4-BE49-F238E27FC236}">
+                <a16:creationId xmlns:a16="http://schemas.microsoft.com/office/drawing/2014/main" id="{8785589A-A5AC-409A-B2A2-24D871B4CEF0}"/>
+              </a:ext>
+              <a:ext uri="{C183D7F6-B498-43B3-948B-1728B52AA6E4}">
+                <adec:decorative xmlns:adec="http://schemas.microsoft.com/office/drawing/2017/decorative" val="1"/>
+              </a:ext>
+            </a:extLst>
+          </p:cNvPr>
+          <p:cNvSpPr>
+            <a:spLocks noGrp="1" noRot="1" noChangeAspect="1" noMove="1" noResize="1" noEditPoints="1" noAdjustHandles="1" noChangeArrowheads="1" noChangeShapeType="1" noTextEdit="1"/>
+          </p:cNvSpPr>
+          <p:nvPr>
+            <p:extLst>
+              <p:ext uri="{386F3935-93C4-4BCD-93E2-E3B085C9AB24}">
+                <p16:designElem xmlns:p16="http://schemas.microsoft.com/office/powerpoint/2015/main" val="1"/>
+              </p:ext>
+            </p:extLst>
+          </p:nvPr>
+        </p:nvSpPr>
+        <p:spPr>
+          <a:xfrm>
+            <a:off x="160867" y="158782"/>
+            <a:ext cx="11870265" cy="6537850"/>
+          </a:xfrm>
+          <a:prstGeom prst="rect">
+            <a:avLst/>
+          </a:prstGeom>
+          <a:solidFill>
+            <a:srgbClr val="FFFFFF"/>
+          </a:solidFill>
+          <a:ln>
+            <a:noFill/>
+          </a:ln>
+        </p:spPr>
+        <p:style>
+          <a:lnRef idx="2">
+            <a:schemeClr val="accent1">
+              <a:shade val="50000"/>
+            </a:schemeClr>
+          </a:lnRef>
+          <a:fillRef idx="1">
+            <a:schemeClr val="accent1"/>
+          </a:fillRef>
+          <a:effectRef idx="0">
+            <a:schemeClr val="accent1"/>
+          </a:effectRef>
+          <a:fontRef idx="minor">
+            <a:schemeClr val="lt1"/>
+          </a:fontRef>
+        </p:style>
+        <p:txBody>
+          <a:bodyPr rtlCol="0" anchor="ctr"/>
+          <a:lstStyle/>
+          <a:p>
+            <a:pPr algn="ctr"/>
+            <a:endParaRPr lang="en-US"/>
+          </a:p>
+        </p:txBody>
+      </p:sp>
+      <p:pic>
+        <p:nvPicPr>
+          <p:cNvPr id="8" name="Zástupný obsah 7">
+            <a:extLst>
+              <a:ext uri="{FF2B5EF4-FFF2-40B4-BE49-F238E27FC236}">
+                <a16:creationId xmlns:a16="http://schemas.microsoft.com/office/drawing/2014/main" id="{F3DF7232-A9BE-7E94-BCE9-5737A30533F9}"/>
+              </a:ext>
+            </a:extLst>
+          </p:cNvPr>
+          <p:cNvPicPr>
+            <a:picLocks noGrp="1" noChangeAspect="1"/>
+          </p:cNvPicPr>
+          <p:nvPr>
+            <p:ph idx="1"/>
+          </p:nvPr>
+        </p:nvPicPr>
+        <p:blipFill>
+          <a:blip r:embed="rId3">
+            <a:extLst>
+              <a:ext uri="{96DAC541-7B7A-43D3-8B79-37D633B846F1}">
+                <asvg:svgBlip xmlns:asvg="http://schemas.microsoft.com/office/drawing/2016/SVG/main" r:embed="rId4"/>
+              </a:ext>
+            </a:extLst>
+          </a:blip>
+          <a:stretch>
+            <a:fillRect/>
+          </a:stretch>
+        </p:blipFill>
+        <p:spPr>
+          <a:xfrm>
+            <a:off x="482600" y="551150"/>
+            <a:ext cx="11226799" cy="5751031"/>
+          </a:xfrm>
+          <a:prstGeom prst="rect">
+            <a:avLst/>
+          </a:prstGeom>
+        </p:spPr>
+      </p:pic>
+    </p:spTree>
+    <p:extLst>
+      <p:ext uri="{BB962C8B-B14F-4D97-AF65-F5344CB8AC3E}">
+        <p14:creationId xmlns:p14="http://schemas.microsoft.com/office/powerpoint/2010/main" val="3624759974"/>
+      </p:ext>
+    </p:extLst>
+  </p:cSld>
+  <p:clrMapOvr>
+    <a:masterClrMapping/>
+  </p:clrMapOvr>
+</p:sld>
+</file>
+
+<file path=ppt/slides/slide11.xml><?xml version="1.0" encoding="utf-8"?>
 <p:sld xmlns:a="http://schemas.openxmlformats.org/drawingml/2006/main" xmlns:r="http://schemas.openxmlformats.org/officeDocument/2006/relationships" xmlns:p="http://schemas.openxmlformats.org/presentationml/2006/main">
   <p:cSld>
     <p:bg>
@@ -7508,7 +8028,7 @@
 </p:sld>
 </file>
 
-<file path=ppt/slides/slide11.xml><?xml version="1.0" encoding="utf-8"?>
+<file path=ppt/slides/slide12.xml><?xml version="1.0" encoding="utf-8"?>
 <p:sld xmlns:a="http://schemas.openxmlformats.org/drawingml/2006/main" xmlns:r="http://schemas.openxmlformats.org/officeDocument/2006/relationships" xmlns:p="http://schemas.openxmlformats.org/presentationml/2006/main">
   <p:cSld>
     <p:spTree>
@@ -7711,14 +8231,6 @@
 <file path=ppt/slides/slide2.xml><?xml version="1.0" encoding="utf-8"?>
 <p:sld xmlns:a="http://schemas.openxmlformats.org/drawingml/2006/main" xmlns:r="http://schemas.openxmlformats.org/officeDocument/2006/relationships" xmlns:p="http://schemas.openxmlformats.org/presentationml/2006/main">
   <p:cSld>
-    <p:bg>
-      <p:bgPr>
-        <a:solidFill>
-          <a:schemeClr val="bg2"/>
-        </a:solidFill>
-        <a:effectLst/>
-      </p:bgPr>
-    </p:bg>
     <p:spTree>
       <p:nvGrpSpPr>
         <p:cNvPr id="1" name=""/>
@@ -7735,486 +8247,192 @@
       </p:grpSpPr>
       <p:sp>
         <p:nvSpPr>
-          <p:cNvPr id="61" name="Rectangle 60">
+          <p:cNvPr id="2" name="Nadpis 1">
             <a:extLst>
               <a:ext uri="{FF2B5EF4-FFF2-40B4-BE49-F238E27FC236}">
-                <a16:creationId xmlns:a16="http://schemas.microsoft.com/office/drawing/2014/main" id="{AA6EC888-B85F-410F-B430-06583E94BEEC}"/>
-              </a:ext>
-              <a:ext uri="{C183D7F6-B498-43B3-948B-1728B52AA6E4}">
-                <adec:decorative xmlns:adec="http://schemas.microsoft.com/office/drawing/2017/decorative" val="1"/>
+                <a16:creationId xmlns:a16="http://schemas.microsoft.com/office/drawing/2014/main" id="{3A5E2FB3-273A-44DB-6FF7-DA8C3EC2F64B}"/>
               </a:ext>
             </a:extLst>
           </p:cNvPr>
           <p:cNvSpPr>
-            <a:spLocks noGrp="1" noRot="1" noChangeAspect="1" noMove="1" noResize="1" noEditPoints="1" noAdjustHandles="1" noChangeArrowheads="1" noChangeShapeType="1" noTextEdit="1"/>
-          </p:cNvSpPr>
-          <p:nvPr>
-            <p:extLst>
-              <p:ext uri="{386F3935-93C4-4BCD-93E2-E3B085C9AB24}">
-                <p16:designElem xmlns:p16="http://schemas.microsoft.com/office/powerpoint/2015/main" val="1"/>
-              </p:ext>
-            </p:extLst>
-          </p:nvPr>
-        </p:nvSpPr>
-        <p:spPr>
-          <a:xfrm>
-            <a:off x="478095" y="376"/>
-            <a:ext cx="228600" cy="6858000"/>
-          </a:xfrm>
-          <a:prstGeom prst="rect">
-            <a:avLst/>
-          </a:prstGeom>
-          <a:solidFill>
-            <a:schemeClr val="tx2"/>
-          </a:solidFill>
-          <a:ln>
-            <a:noFill/>
-          </a:ln>
-        </p:spPr>
-        <p:style>
-          <a:lnRef idx="2">
-            <a:schemeClr val="accent1">
-              <a:shade val="50000"/>
-            </a:schemeClr>
-          </a:lnRef>
-          <a:fillRef idx="1">
-            <a:schemeClr val="accent1"/>
-          </a:fillRef>
-          <a:effectRef idx="0">
-            <a:schemeClr val="accent1"/>
-          </a:effectRef>
-          <a:fontRef idx="minor">
-            <a:schemeClr val="lt1"/>
-          </a:fontRef>
-        </p:style>
+            <a:spLocks noGrp="1"/>
+          </p:cNvSpPr>
+          <p:nvPr>
+            <p:ph type="title"/>
+          </p:nvPr>
+        </p:nvSpPr>
+        <p:spPr/>
         <p:txBody>
           <a:bodyPr/>
           <a:lstStyle/>
           <a:p>
-            <a:endParaRPr lang="cs-CZ"/>
-          </a:p>
-        </p:txBody>
-      </p:sp>
-      <p:sp>
-        <p:nvSpPr>
-          <p:cNvPr id="63" name="Rectangle 62">
+            <a:r>
+              <a:rPr lang="cs-CZ" dirty="0" err="1"/>
+              <a:t>Where</a:t>
+            </a:r>
+            <a:r>
+              <a:rPr lang="cs-CZ" dirty="0"/>
+              <a:t> are </a:t>
+            </a:r>
+            <a:r>
+              <a:rPr lang="cs-CZ" dirty="0" err="1"/>
+              <a:t>the</a:t>
+            </a:r>
+            <a:r>
+              <a:rPr lang="cs-CZ" dirty="0"/>
+              <a:t> data </a:t>
+            </a:r>
+            <a:r>
+              <a:rPr lang="cs-CZ" dirty="0" err="1"/>
+              <a:t>from</a:t>
+            </a:r>
+            <a:r>
+              <a:rPr lang="cs-CZ" dirty="0"/>
+              <a:t>?</a:t>
+            </a:r>
+          </a:p>
+        </p:txBody>
+      </p:sp>
+      <p:sp>
+        <p:nvSpPr>
+          <p:cNvPr id="3" name="Zástupný obsah 2">
             <a:extLst>
               <a:ext uri="{FF2B5EF4-FFF2-40B4-BE49-F238E27FC236}">
-                <a16:creationId xmlns:a16="http://schemas.microsoft.com/office/drawing/2014/main" id="{9485DA84-CB73-4E5E-9864-2460CE28055D}"/>
-              </a:ext>
-              <a:ext uri="{C183D7F6-B498-43B3-948B-1728B52AA6E4}">
-                <adec:decorative xmlns:adec="http://schemas.microsoft.com/office/drawing/2017/decorative" val="1"/>
+                <a16:creationId xmlns:a16="http://schemas.microsoft.com/office/drawing/2014/main" id="{C0F00607-AEE3-CF7F-AB06-9F98C9E88596}"/>
               </a:ext>
             </a:extLst>
           </p:cNvPr>
           <p:cNvSpPr>
-            <a:spLocks noGrp="1" noRot="1" noChangeAspect="1" noMove="1" noResize="1" noEditPoints="1" noAdjustHandles="1" noChangeArrowheads="1" noChangeShapeType="1" noTextEdit="1"/>
-          </p:cNvSpPr>
-          <p:nvPr>
-            <p:extLst>
-              <p:ext uri="{386F3935-93C4-4BCD-93E2-E3B085C9AB24}">
-                <p16:designElem xmlns:p16="http://schemas.microsoft.com/office/powerpoint/2015/main" val="1"/>
-              </p:ext>
-            </p:extLst>
-          </p:nvPr>
-        </p:nvSpPr>
-        <p:spPr>
-          <a:xfrm>
-            <a:off x="0" y="0"/>
-            <a:ext cx="12192000" cy="6858000"/>
-          </a:xfrm>
-          <a:prstGeom prst="rect">
-            <a:avLst/>
-          </a:prstGeom>
-          <a:solidFill>
-            <a:schemeClr val="bg2"/>
-          </a:solidFill>
-          <a:ln>
-            <a:noFill/>
-          </a:ln>
-        </p:spPr>
-        <p:style>
-          <a:lnRef idx="2">
-            <a:schemeClr val="accent1">
-              <a:shade val="50000"/>
-            </a:schemeClr>
-          </a:lnRef>
-          <a:fillRef idx="1">
-            <a:schemeClr val="accent1"/>
-          </a:fillRef>
-          <a:effectRef idx="0">
-            <a:schemeClr val="accent1"/>
-          </a:effectRef>
-          <a:fontRef idx="minor">
-            <a:schemeClr val="lt1"/>
-          </a:fontRef>
-        </p:style>
-        <p:txBody>
-          <a:bodyPr rtlCol="0" anchor="ctr"/>
+            <a:spLocks noGrp="1"/>
+          </p:cNvSpPr>
+          <p:nvPr>
+            <p:ph idx="1"/>
+          </p:nvPr>
+        </p:nvSpPr>
+        <p:spPr/>
+        <p:txBody>
+          <a:bodyPr/>
           <a:lstStyle/>
           <a:p>
-            <a:pPr algn="ctr"/>
-            <a:endParaRPr lang="en-US"/>
-          </a:p>
-        </p:txBody>
-      </p:sp>
-      <p:sp>
-        <p:nvSpPr>
-          <p:cNvPr id="65" name="Rectangle 64">
-            <a:extLst>
-              <a:ext uri="{FF2B5EF4-FFF2-40B4-BE49-F238E27FC236}">
-                <a16:creationId xmlns:a16="http://schemas.microsoft.com/office/drawing/2014/main" id="{7D49185E-361A-421B-8F2D-11C7FFC686F0}"/>
-              </a:ext>
-              <a:ext uri="{C183D7F6-B498-43B3-948B-1728B52AA6E4}">
-                <adec:decorative xmlns:adec="http://schemas.microsoft.com/office/drawing/2017/decorative" val="1"/>
-              </a:ext>
-            </a:extLst>
-          </p:cNvPr>
-          <p:cNvSpPr>
-            <a:spLocks noGrp="1" noRot="1" noChangeAspect="1" noMove="1" noResize="1" noEditPoints="1" noAdjustHandles="1" noChangeArrowheads="1" noChangeShapeType="1" noTextEdit="1"/>
-          </p:cNvSpPr>
-          <p:nvPr>
-            <p:extLst>
-              <p:ext uri="{386F3935-93C4-4BCD-93E2-E3B085C9AB24}">
-                <p16:designElem xmlns:p16="http://schemas.microsoft.com/office/powerpoint/2015/main" val="1"/>
-              </p:ext>
-            </p:extLst>
-          </p:nvPr>
-        </p:nvSpPr>
-        <p:spPr>
-          <a:xfrm>
-            <a:off x="0" y="0"/>
-            <a:ext cx="365760" cy="365760"/>
-          </a:xfrm>
-          <a:prstGeom prst="rect">
-            <a:avLst/>
-          </a:prstGeom>
-          <a:solidFill>
-            <a:schemeClr val="tx1"/>
-          </a:solidFill>
-          <a:ln>
-            <a:noFill/>
-          </a:ln>
-        </p:spPr>
-        <p:style>
-          <a:lnRef idx="2">
-            <a:schemeClr val="accent1">
-              <a:shade val="50000"/>
-            </a:schemeClr>
-          </a:lnRef>
-          <a:fillRef idx="1">
-            <a:schemeClr val="accent1"/>
-          </a:fillRef>
-          <a:effectRef idx="0">
-            <a:schemeClr val="accent1"/>
-          </a:effectRef>
-          <a:fontRef idx="minor">
-            <a:schemeClr val="lt1"/>
-          </a:fontRef>
-        </p:style>
-        <p:txBody>
-          <a:bodyPr rtlCol="0" anchor="ctr"/>
-          <a:lstStyle/>
-          <a:p>
-            <a:pPr algn="ctr"/>
-            <a:endParaRPr lang="en-US"/>
-          </a:p>
-        </p:txBody>
-      </p:sp>
-      <p:sp>
-        <p:nvSpPr>
-          <p:cNvPr id="67" name="Rectangle 66">
-            <a:extLst>
-              <a:ext uri="{FF2B5EF4-FFF2-40B4-BE49-F238E27FC236}">
-                <a16:creationId xmlns:a16="http://schemas.microsoft.com/office/drawing/2014/main" id="{14B85BAA-C37F-44B4-B427-B4F10EBB4183}"/>
-              </a:ext>
-              <a:ext uri="{C183D7F6-B498-43B3-948B-1728B52AA6E4}">
-                <adec:decorative xmlns:adec="http://schemas.microsoft.com/office/drawing/2017/decorative" val="1"/>
-              </a:ext>
-            </a:extLst>
-          </p:cNvPr>
-          <p:cNvSpPr>
-            <a:spLocks noGrp="1" noRot="1" noChangeAspect="1" noMove="1" noResize="1" noEditPoints="1" noAdjustHandles="1" noChangeArrowheads="1" noChangeShapeType="1" noTextEdit="1"/>
-          </p:cNvSpPr>
-          <p:nvPr>
-            <p:extLst>
-              <p:ext uri="{386F3935-93C4-4BCD-93E2-E3B085C9AB24}">
-                <p16:designElem xmlns:p16="http://schemas.microsoft.com/office/powerpoint/2015/main" val="1"/>
-              </p:ext>
-            </p:extLst>
-          </p:nvPr>
-        </p:nvSpPr>
-        <p:spPr>
-          <a:xfrm>
-            <a:off x="11826240" y="-4668"/>
-            <a:ext cx="365760" cy="365760"/>
-          </a:xfrm>
-          <a:prstGeom prst="rect">
-            <a:avLst/>
-          </a:prstGeom>
-          <a:solidFill>
-            <a:schemeClr val="tx1"/>
-          </a:solidFill>
-          <a:ln>
-            <a:noFill/>
-          </a:ln>
-        </p:spPr>
-        <p:style>
-          <a:lnRef idx="2">
-            <a:schemeClr val="accent1">
-              <a:shade val="50000"/>
-            </a:schemeClr>
-          </a:lnRef>
-          <a:fillRef idx="1">
-            <a:schemeClr val="accent1"/>
-          </a:fillRef>
-          <a:effectRef idx="0">
-            <a:schemeClr val="accent1"/>
-          </a:effectRef>
-          <a:fontRef idx="minor">
-            <a:schemeClr val="lt1"/>
-          </a:fontRef>
-        </p:style>
-        <p:txBody>
-          <a:bodyPr rtlCol="0" anchor="ctr"/>
-          <a:lstStyle/>
-          <a:p>
-            <a:pPr algn="ctr"/>
-            <a:endParaRPr lang="en-US"/>
-          </a:p>
-        </p:txBody>
-      </p:sp>
-      <p:sp>
-        <p:nvSpPr>
-          <p:cNvPr id="69" name="Rectangle 68">
-            <a:extLst>
-              <a:ext uri="{FF2B5EF4-FFF2-40B4-BE49-F238E27FC236}">
-                <a16:creationId xmlns:a16="http://schemas.microsoft.com/office/drawing/2014/main" id="{EDC4EE06-D7B4-4FAC-A561-38A1C380232A}"/>
-              </a:ext>
-              <a:ext uri="{C183D7F6-B498-43B3-948B-1728B52AA6E4}">
-                <adec:decorative xmlns:adec="http://schemas.microsoft.com/office/drawing/2017/decorative" val="1"/>
-              </a:ext>
-            </a:extLst>
-          </p:cNvPr>
-          <p:cNvSpPr>
-            <a:spLocks noGrp="1" noRot="1" noChangeAspect="1" noMove="1" noResize="1" noEditPoints="1" noAdjustHandles="1" noChangeArrowheads="1" noChangeShapeType="1" noTextEdit="1"/>
-          </p:cNvSpPr>
-          <p:nvPr>
-            <p:extLst>
-              <p:ext uri="{386F3935-93C4-4BCD-93E2-E3B085C9AB24}">
-                <p16:designElem xmlns:p16="http://schemas.microsoft.com/office/powerpoint/2015/main" val="1"/>
-              </p:ext>
-            </p:extLst>
-          </p:nvPr>
-        </p:nvSpPr>
-        <p:spPr>
-          <a:xfrm>
-            <a:off x="0" y="6494325"/>
-            <a:ext cx="365760" cy="365760"/>
-          </a:xfrm>
-          <a:prstGeom prst="rect">
-            <a:avLst/>
-          </a:prstGeom>
-          <a:solidFill>
-            <a:schemeClr val="tx1"/>
-          </a:solidFill>
-          <a:ln>
-            <a:noFill/>
-          </a:ln>
-        </p:spPr>
-        <p:style>
-          <a:lnRef idx="2">
-            <a:schemeClr val="accent1">
-              <a:shade val="50000"/>
-            </a:schemeClr>
-          </a:lnRef>
-          <a:fillRef idx="1">
-            <a:schemeClr val="accent1"/>
-          </a:fillRef>
-          <a:effectRef idx="0">
-            <a:schemeClr val="accent1"/>
-          </a:effectRef>
-          <a:fontRef idx="minor">
-            <a:schemeClr val="lt1"/>
-          </a:fontRef>
-        </p:style>
-        <p:txBody>
-          <a:bodyPr rtlCol="0" anchor="ctr"/>
-          <a:lstStyle/>
-          <a:p>
-            <a:pPr algn="ctr"/>
-            <a:endParaRPr lang="en-US"/>
-          </a:p>
-        </p:txBody>
-      </p:sp>
-      <p:sp>
-        <p:nvSpPr>
-          <p:cNvPr id="71" name="Rectangle 70">
-            <a:extLst>
-              <a:ext uri="{FF2B5EF4-FFF2-40B4-BE49-F238E27FC236}">
-                <a16:creationId xmlns:a16="http://schemas.microsoft.com/office/drawing/2014/main" id="{9018D83B-903C-4782-B1BB-A45164A71F60}"/>
-              </a:ext>
-              <a:ext uri="{C183D7F6-B498-43B3-948B-1728B52AA6E4}">
-                <adec:decorative xmlns:adec="http://schemas.microsoft.com/office/drawing/2017/decorative" val="1"/>
-              </a:ext>
-            </a:extLst>
-          </p:cNvPr>
-          <p:cNvSpPr>
-            <a:spLocks noGrp="1" noRot="1" noChangeAspect="1" noMove="1" noResize="1" noEditPoints="1" noAdjustHandles="1" noChangeArrowheads="1" noChangeShapeType="1" noTextEdit="1"/>
-          </p:cNvSpPr>
-          <p:nvPr>
-            <p:extLst>
-              <p:ext uri="{386F3935-93C4-4BCD-93E2-E3B085C9AB24}">
-                <p16:designElem xmlns:p16="http://schemas.microsoft.com/office/powerpoint/2015/main" val="1"/>
-              </p:ext>
-            </p:extLst>
-          </p:nvPr>
-        </p:nvSpPr>
-        <p:spPr>
-          <a:xfrm>
-            <a:off x="11826240" y="6494325"/>
-            <a:ext cx="365760" cy="365760"/>
-          </a:xfrm>
-          <a:prstGeom prst="rect">
-            <a:avLst/>
-          </a:prstGeom>
-          <a:solidFill>
-            <a:schemeClr val="tx1"/>
-          </a:solidFill>
-          <a:ln>
-            <a:noFill/>
-          </a:ln>
-        </p:spPr>
-        <p:style>
-          <a:lnRef idx="2">
-            <a:schemeClr val="accent1">
-              <a:shade val="50000"/>
-            </a:schemeClr>
-          </a:lnRef>
-          <a:fillRef idx="1">
-            <a:schemeClr val="accent1"/>
-          </a:fillRef>
-          <a:effectRef idx="0">
-            <a:schemeClr val="accent1"/>
-          </a:effectRef>
-          <a:fontRef idx="minor">
-            <a:schemeClr val="lt1"/>
-          </a:fontRef>
-        </p:style>
-        <p:txBody>
-          <a:bodyPr rtlCol="0" anchor="ctr"/>
-          <a:lstStyle/>
-          <a:p>
-            <a:pPr algn="ctr"/>
-            <a:endParaRPr lang="en-US"/>
-          </a:p>
-        </p:txBody>
-      </p:sp>
-      <p:sp>
-        <p:nvSpPr>
-          <p:cNvPr id="73" name="Rectangle 72">
-            <a:extLst>
-              <a:ext uri="{FF2B5EF4-FFF2-40B4-BE49-F238E27FC236}">
-                <a16:creationId xmlns:a16="http://schemas.microsoft.com/office/drawing/2014/main" id="{8785589A-A5AC-409A-B2A2-24D871B4CEF0}"/>
-              </a:ext>
-              <a:ext uri="{C183D7F6-B498-43B3-948B-1728B52AA6E4}">
-                <adec:decorative xmlns:adec="http://schemas.microsoft.com/office/drawing/2017/decorative" val="1"/>
-              </a:ext>
-            </a:extLst>
-          </p:cNvPr>
-          <p:cNvSpPr>
-            <a:spLocks noGrp="1" noRot="1" noChangeAspect="1" noMove="1" noResize="1" noEditPoints="1" noAdjustHandles="1" noChangeArrowheads="1" noChangeShapeType="1" noTextEdit="1"/>
-          </p:cNvSpPr>
-          <p:nvPr>
-            <p:extLst>
-              <p:ext uri="{386F3935-93C4-4BCD-93E2-E3B085C9AB24}">
-                <p16:designElem xmlns:p16="http://schemas.microsoft.com/office/powerpoint/2015/main" val="1"/>
-              </p:ext>
-            </p:extLst>
-          </p:nvPr>
-        </p:nvSpPr>
-        <p:spPr>
-          <a:xfrm>
-            <a:off x="160867" y="158782"/>
-            <a:ext cx="11870265" cy="6537850"/>
-          </a:xfrm>
-          <a:prstGeom prst="rect">
-            <a:avLst/>
-          </a:prstGeom>
-          <a:solidFill>
-            <a:srgbClr val="FFFFFF"/>
-          </a:solidFill>
-          <a:ln>
-            <a:noFill/>
-          </a:ln>
-        </p:spPr>
-        <p:style>
-          <a:lnRef idx="2">
-            <a:schemeClr val="accent1">
-              <a:shade val="50000"/>
-            </a:schemeClr>
-          </a:lnRef>
-          <a:fillRef idx="1">
-            <a:schemeClr val="accent1"/>
-          </a:fillRef>
-          <a:effectRef idx="0">
-            <a:schemeClr val="accent1"/>
-          </a:effectRef>
-          <a:fontRef idx="minor">
-            <a:schemeClr val="lt1"/>
-          </a:fontRef>
-        </p:style>
-        <p:txBody>
-          <a:bodyPr rtlCol="0" anchor="ctr"/>
-          <a:lstStyle/>
-          <a:p>
-            <a:pPr algn="ctr"/>
-            <a:endParaRPr lang="en-US"/>
-          </a:p>
-        </p:txBody>
-      </p:sp>
-      <p:pic>
-        <p:nvPicPr>
-          <p:cNvPr id="25" name="Zástupný obsah 24">
-            <a:extLst>
-              <a:ext uri="{FF2B5EF4-FFF2-40B4-BE49-F238E27FC236}">
-                <a16:creationId xmlns:a16="http://schemas.microsoft.com/office/drawing/2014/main" id="{D8DD5E61-F259-3DA3-BF98-72CEF20C68D6}"/>
-              </a:ext>
-            </a:extLst>
-          </p:cNvPr>
-          <p:cNvPicPr>
-            <a:picLocks noGrp="1" noChangeAspect="1"/>
-          </p:cNvPicPr>
-          <p:nvPr>
-            <p:ph idx="1"/>
-          </p:nvPr>
-        </p:nvPicPr>
-        <p:blipFill>
-          <a:blip r:embed="rId3">
-            <a:extLst>
-              <a:ext uri="{96DAC541-7B7A-43D3-8B79-37D633B846F1}">
-                <asvg:svgBlip xmlns:asvg="http://schemas.microsoft.com/office/drawing/2016/SVG/main" r:embed="rId4"/>
-              </a:ext>
-            </a:extLst>
-          </a:blip>
-          <a:stretch>
-            <a:fillRect/>
-          </a:stretch>
-        </p:blipFill>
-        <p:spPr>
-          <a:xfrm>
-            <a:off x="482600" y="551150"/>
-            <a:ext cx="11226799" cy="5751031"/>
-          </a:xfrm>
-          <a:prstGeom prst="rect">
-            <a:avLst/>
-          </a:prstGeom>
-        </p:spPr>
-      </p:pic>
+            <a:r>
+              <a:rPr lang="cs-CZ" dirty="0">
+                <a:hlinkClick r:id="rId2"/>
+              </a:rPr>
+              <a:t>Injuries </a:t>
+            </a:r>
+            <a:r>
+              <a:rPr lang="cs-CZ" dirty="0" err="1">
+                <a:hlinkClick r:id="rId2"/>
+              </a:rPr>
+              <a:t>dataset</a:t>
+            </a:r>
+            <a:endParaRPr lang="cs-CZ" dirty="0">
+              <a:hlinkClick r:id="rId3"/>
+            </a:endParaRPr>
+          </a:p>
+          <a:p>
+            <a:pPr lvl="1"/>
+            <a:r>
+              <a:rPr lang="cs-CZ" dirty="0">
+                <a:hlinkClick r:id="rId3"/>
+              </a:rPr>
+              <a:t>NZIP</a:t>
+            </a:r>
+            <a:r>
+              <a:rPr lang="cs-CZ" dirty="0"/>
+              <a:t> – </a:t>
+            </a:r>
+            <a:r>
+              <a:rPr lang="cs-CZ" dirty="0" err="1"/>
+              <a:t>National</a:t>
+            </a:r>
+            <a:r>
+              <a:rPr lang="cs-CZ" dirty="0"/>
+              <a:t> </a:t>
+            </a:r>
+            <a:r>
+              <a:rPr lang="cs-CZ" dirty="0" err="1"/>
+              <a:t>health</a:t>
+            </a:r>
+            <a:r>
+              <a:rPr lang="cs-CZ" dirty="0"/>
+              <a:t> </a:t>
+            </a:r>
+            <a:r>
+              <a:rPr lang="cs-CZ" dirty="0" err="1"/>
+              <a:t>information</a:t>
+            </a:r>
+            <a:r>
+              <a:rPr lang="cs-CZ" dirty="0"/>
+              <a:t> </a:t>
+            </a:r>
+            <a:r>
+              <a:rPr lang="cs-CZ" dirty="0" err="1"/>
+              <a:t>portal</a:t>
+            </a:r>
+            <a:endParaRPr lang="cs-CZ" dirty="0"/>
+          </a:p>
+          <a:p>
+            <a:pPr lvl="1"/>
+            <a:r>
+              <a:rPr lang="en-US" dirty="0"/>
+              <a:t>Ministry of Health of the Czech Republic</a:t>
+            </a:r>
+            <a:r>
+              <a:rPr lang="cs-CZ" dirty="0"/>
+              <a:t> - Professional </a:t>
+            </a:r>
+            <a:r>
+              <a:rPr lang="cs-CZ" dirty="0" err="1"/>
+              <a:t>guarantor</a:t>
+            </a:r>
+            <a:endParaRPr lang="cs-CZ" dirty="0"/>
+          </a:p>
+          <a:p>
+            <a:endParaRPr lang="cs-CZ" dirty="0"/>
+          </a:p>
+          <a:p>
+            <a:r>
+              <a:rPr lang="cs-CZ" dirty="0">
+                <a:hlinkClick r:id="rId4"/>
+              </a:rPr>
+              <a:t>Population </a:t>
+            </a:r>
+            <a:r>
+              <a:rPr lang="cs-CZ" dirty="0" err="1">
+                <a:hlinkClick r:id="rId4"/>
+              </a:rPr>
+              <a:t>dataset</a:t>
+            </a:r>
+            <a:endParaRPr lang="cs-CZ" dirty="0"/>
+          </a:p>
+          <a:p>
+            <a:pPr lvl="1"/>
+            <a:r>
+              <a:rPr lang="cs-CZ" dirty="0">
+                <a:hlinkClick r:id="rId5"/>
+              </a:rPr>
+              <a:t>ČSÚ</a:t>
+            </a:r>
+            <a:r>
+              <a:rPr lang="cs-CZ" dirty="0"/>
+              <a:t> - Czech </a:t>
+            </a:r>
+            <a:r>
+              <a:rPr lang="cs-CZ" dirty="0" err="1"/>
+              <a:t>statistical</a:t>
+            </a:r>
+            <a:r>
+              <a:rPr lang="cs-CZ" dirty="0"/>
+              <a:t> office</a:t>
+            </a:r>
+          </a:p>
+        </p:txBody>
+      </p:sp>
     </p:spTree>
     <p:extLst>
       <p:ext uri="{BB962C8B-B14F-4D97-AF65-F5344CB8AC3E}">
-        <p14:creationId xmlns:p14="http://schemas.microsoft.com/office/powerpoint/2010/main" val="3870735904"/>
+        <p14:creationId xmlns:p14="http://schemas.microsoft.com/office/powerpoint/2010/main" val="2371406303"/>
       </p:ext>
     </p:extLst>
   </p:cSld>
@@ -8691,10 +8909,10 @@
       </p:sp>
       <p:pic>
         <p:nvPicPr>
-          <p:cNvPr id="30" name="Zástupný obsah 29">
+          <p:cNvPr id="25" name="Zástupný obsah 24">
             <a:extLst>
               <a:ext uri="{FF2B5EF4-FFF2-40B4-BE49-F238E27FC236}">
-                <a16:creationId xmlns:a16="http://schemas.microsoft.com/office/drawing/2014/main" id="{3EF2D5CE-9C5B-E69C-AB29-9E22DE92B6DF}"/>
+                <a16:creationId xmlns:a16="http://schemas.microsoft.com/office/drawing/2014/main" id="{D8DD5E61-F259-3DA3-BF98-72CEF20C68D6}"/>
               </a:ext>
             </a:extLst>
           </p:cNvPr>
@@ -8719,8 +8937,8 @@
         </p:blipFill>
         <p:spPr>
           <a:xfrm>
-            <a:off x="482600" y="654374"/>
-            <a:ext cx="11226799" cy="5544583"/>
+            <a:off x="482600" y="551150"/>
+            <a:ext cx="11226799" cy="5751031"/>
           </a:xfrm>
           <a:prstGeom prst="rect">
             <a:avLst/>
@@ -8730,7 +8948,7 @@
     </p:spTree>
     <p:extLst>
       <p:ext uri="{BB962C8B-B14F-4D97-AF65-F5344CB8AC3E}">
-        <p14:creationId xmlns:p14="http://schemas.microsoft.com/office/powerpoint/2010/main" val="3252596131"/>
+        <p14:creationId xmlns:p14="http://schemas.microsoft.com/office/powerpoint/2010/main" val="3870735904"/>
       </p:ext>
     </p:extLst>
   </p:cSld>
@@ -8767,7 +8985,7 @@
       </p:grpSpPr>
       <p:sp>
         <p:nvSpPr>
-          <p:cNvPr id="27" name="Rectangle 26">
+          <p:cNvPr id="61" name="Rectangle 60">
             <a:extLst>
               <a:ext uri="{FF2B5EF4-FFF2-40B4-BE49-F238E27FC236}">
                 <a16:creationId xmlns:a16="http://schemas.microsoft.com/office/drawing/2014/main" id="{AA6EC888-B85F-410F-B430-06583E94BEEC}"/>
@@ -8829,7 +9047,7 @@
       </p:sp>
       <p:sp>
         <p:nvSpPr>
-          <p:cNvPr id="29" name="Rectangle 28">
+          <p:cNvPr id="63" name="Rectangle 62">
             <a:extLst>
               <a:ext uri="{FF2B5EF4-FFF2-40B4-BE49-F238E27FC236}">
                 <a16:creationId xmlns:a16="http://schemas.microsoft.com/office/drawing/2014/main" id="{9485DA84-CB73-4E5E-9864-2460CE28055D}"/>
@@ -8892,7 +9110,7 @@
       </p:sp>
       <p:sp>
         <p:nvSpPr>
-          <p:cNvPr id="31" name="Rectangle 30">
+          <p:cNvPr id="65" name="Rectangle 64">
             <a:extLst>
               <a:ext uri="{FF2B5EF4-FFF2-40B4-BE49-F238E27FC236}">
                 <a16:creationId xmlns:a16="http://schemas.microsoft.com/office/drawing/2014/main" id="{7D49185E-361A-421B-8F2D-11C7FFC686F0}"/>
@@ -8955,7 +9173,7 @@
       </p:sp>
       <p:sp>
         <p:nvSpPr>
-          <p:cNvPr id="33" name="Rectangle 32">
+          <p:cNvPr id="67" name="Rectangle 66">
             <a:extLst>
               <a:ext uri="{FF2B5EF4-FFF2-40B4-BE49-F238E27FC236}">
                 <a16:creationId xmlns:a16="http://schemas.microsoft.com/office/drawing/2014/main" id="{14B85BAA-C37F-44B4-B427-B4F10EBB4183}"/>
@@ -9018,7 +9236,7 @@
       </p:sp>
       <p:sp>
         <p:nvSpPr>
-          <p:cNvPr id="35" name="Rectangle 34">
+          <p:cNvPr id="69" name="Rectangle 68">
             <a:extLst>
               <a:ext uri="{FF2B5EF4-FFF2-40B4-BE49-F238E27FC236}">
                 <a16:creationId xmlns:a16="http://schemas.microsoft.com/office/drawing/2014/main" id="{EDC4EE06-D7B4-4FAC-A561-38A1C380232A}"/>
@@ -9081,7 +9299,7 @@
       </p:sp>
       <p:sp>
         <p:nvSpPr>
-          <p:cNvPr id="37" name="Rectangle 36">
+          <p:cNvPr id="71" name="Rectangle 70">
             <a:extLst>
               <a:ext uri="{FF2B5EF4-FFF2-40B4-BE49-F238E27FC236}">
                 <a16:creationId xmlns:a16="http://schemas.microsoft.com/office/drawing/2014/main" id="{9018D83B-903C-4782-B1BB-A45164A71F60}"/>
@@ -9144,7 +9362,7 @@
       </p:sp>
       <p:sp>
         <p:nvSpPr>
-          <p:cNvPr id="39" name="Rectangle 38">
+          <p:cNvPr id="73" name="Rectangle 72">
             <a:extLst>
               <a:ext uri="{FF2B5EF4-FFF2-40B4-BE49-F238E27FC236}">
                 <a16:creationId xmlns:a16="http://schemas.microsoft.com/office/drawing/2014/main" id="{8785589A-A5AC-409A-B2A2-24D871B4CEF0}"/>
@@ -9207,10 +9425,10 @@
       </p:sp>
       <p:pic>
         <p:nvPicPr>
-          <p:cNvPr id="9" name="Zástupný obsah 8">
+          <p:cNvPr id="30" name="Zástupný obsah 29">
             <a:extLst>
               <a:ext uri="{FF2B5EF4-FFF2-40B4-BE49-F238E27FC236}">
-                <a16:creationId xmlns:a16="http://schemas.microsoft.com/office/drawing/2014/main" id="{1884D5C6-1E0C-3664-E4D6-5D1DA5A3B90E}"/>
+                <a16:creationId xmlns:a16="http://schemas.microsoft.com/office/drawing/2014/main" id="{3EF2D5CE-9C5B-E69C-AB29-9E22DE92B6DF}"/>
               </a:ext>
             </a:extLst>
           </p:cNvPr>
@@ -9235,8 +9453,8 @@
         </p:blipFill>
         <p:spPr>
           <a:xfrm>
-            <a:off x="494163" y="480515"/>
-            <a:ext cx="11203672" cy="5892302"/>
+            <a:off x="482600" y="654374"/>
+            <a:ext cx="11226799" cy="5544583"/>
           </a:xfrm>
           <a:prstGeom prst="rect">
             <a:avLst/>
@@ -9246,7 +9464,7 @@
     </p:spTree>
     <p:extLst>
       <p:ext uri="{BB962C8B-B14F-4D97-AF65-F5344CB8AC3E}">
-        <p14:creationId xmlns:p14="http://schemas.microsoft.com/office/powerpoint/2010/main" val="4082923544"/>
+        <p14:creationId xmlns:p14="http://schemas.microsoft.com/office/powerpoint/2010/main" val="3252596131"/>
       </p:ext>
     </p:extLst>
   </p:cSld>
@@ -9283,6 +9501,522 @@
       </p:grpSpPr>
       <p:sp>
         <p:nvSpPr>
+          <p:cNvPr id="27" name="Rectangle 26">
+            <a:extLst>
+              <a:ext uri="{FF2B5EF4-FFF2-40B4-BE49-F238E27FC236}">
+                <a16:creationId xmlns:a16="http://schemas.microsoft.com/office/drawing/2014/main" id="{AA6EC888-B85F-410F-B430-06583E94BEEC}"/>
+              </a:ext>
+              <a:ext uri="{C183D7F6-B498-43B3-948B-1728B52AA6E4}">
+                <adec:decorative xmlns:adec="http://schemas.microsoft.com/office/drawing/2017/decorative" val="1"/>
+              </a:ext>
+            </a:extLst>
+          </p:cNvPr>
+          <p:cNvSpPr>
+            <a:spLocks noGrp="1" noRot="1" noChangeAspect="1" noMove="1" noResize="1" noEditPoints="1" noAdjustHandles="1" noChangeArrowheads="1" noChangeShapeType="1" noTextEdit="1"/>
+          </p:cNvSpPr>
+          <p:nvPr>
+            <p:extLst>
+              <p:ext uri="{386F3935-93C4-4BCD-93E2-E3B085C9AB24}">
+                <p16:designElem xmlns:p16="http://schemas.microsoft.com/office/powerpoint/2015/main" val="1"/>
+              </p:ext>
+            </p:extLst>
+          </p:nvPr>
+        </p:nvSpPr>
+        <p:spPr>
+          <a:xfrm>
+            <a:off x="478095" y="376"/>
+            <a:ext cx="228600" cy="6858000"/>
+          </a:xfrm>
+          <a:prstGeom prst="rect">
+            <a:avLst/>
+          </a:prstGeom>
+          <a:solidFill>
+            <a:schemeClr val="tx2"/>
+          </a:solidFill>
+          <a:ln>
+            <a:noFill/>
+          </a:ln>
+        </p:spPr>
+        <p:style>
+          <a:lnRef idx="2">
+            <a:schemeClr val="accent1">
+              <a:shade val="50000"/>
+            </a:schemeClr>
+          </a:lnRef>
+          <a:fillRef idx="1">
+            <a:schemeClr val="accent1"/>
+          </a:fillRef>
+          <a:effectRef idx="0">
+            <a:schemeClr val="accent1"/>
+          </a:effectRef>
+          <a:fontRef idx="minor">
+            <a:schemeClr val="lt1"/>
+          </a:fontRef>
+        </p:style>
+        <p:txBody>
+          <a:bodyPr/>
+          <a:lstStyle/>
+          <a:p>
+            <a:endParaRPr lang="cs-CZ"/>
+          </a:p>
+        </p:txBody>
+      </p:sp>
+      <p:sp>
+        <p:nvSpPr>
+          <p:cNvPr id="29" name="Rectangle 28">
+            <a:extLst>
+              <a:ext uri="{FF2B5EF4-FFF2-40B4-BE49-F238E27FC236}">
+                <a16:creationId xmlns:a16="http://schemas.microsoft.com/office/drawing/2014/main" id="{9485DA84-CB73-4E5E-9864-2460CE28055D}"/>
+              </a:ext>
+              <a:ext uri="{C183D7F6-B498-43B3-948B-1728B52AA6E4}">
+                <adec:decorative xmlns:adec="http://schemas.microsoft.com/office/drawing/2017/decorative" val="1"/>
+              </a:ext>
+            </a:extLst>
+          </p:cNvPr>
+          <p:cNvSpPr>
+            <a:spLocks noGrp="1" noRot="1" noChangeAspect="1" noMove="1" noResize="1" noEditPoints="1" noAdjustHandles="1" noChangeArrowheads="1" noChangeShapeType="1" noTextEdit="1"/>
+          </p:cNvSpPr>
+          <p:nvPr>
+            <p:extLst>
+              <p:ext uri="{386F3935-93C4-4BCD-93E2-E3B085C9AB24}">
+                <p16:designElem xmlns:p16="http://schemas.microsoft.com/office/powerpoint/2015/main" val="1"/>
+              </p:ext>
+            </p:extLst>
+          </p:nvPr>
+        </p:nvSpPr>
+        <p:spPr>
+          <a:xfrm>
+            <a:off x="0" y="0"/>
+            <a:ext cx="12192000" cy="6858000"/>
+          </a:xfrm>
+          <a:prstGeom prst="rect">
+            <a:avLst/>
+          </a:prstGeom>
+          <a:solidFill>
+            <a:schemeClr val="bg2"/>
+          </a:solidFill>
+          <a:ln>
+            <a:noFill/>
+          </a:ln>
+        </p:spPr>
+        <p:style>
+          <a:lnRef idx="2">
+            <a:schemeClr val="accent1">
+              <a:shade val="50000"/>
+            </a:schemeClr>
+          </a:lnRef>
+          <a:fillRef idx="1">
+            <a:schemeClr val="accent1"/>
+          </a:fillRef>
+          <a:effectRef idx="0">
+            <a:schemeClr val="accent1"/>
+          </a:effectRef>
+          <a:fontRef idx="minor">
+            <a:schemeClr val="lt1"/>
+          </a:fontRef>
+        </p:style>
+        <p:txBody>
+          <a:bodyPr rtlCol="0" anchor="ctr"/>
+          <a:lstStyle/>
+          <a:p>
+            <a:pPr algn="ctr"/>
+            <a:endParaRPr lang="en-US"/>
+          </a:p>
+        </p:txBody>
+      </p:sp>
+      <p:sp>
+        <p:nvSpPr>
+          <p:cNvPr id="31" name="Rectangle 30">
+            <a:extLst>
+              <a:ext uri="{FF2B5EF4-FFF2-40B4-BE49-F238E27FC236}">
+                <a16:creationId xmlns:a16="http://schemas.microsoft.com/office/drawing/2014/main" id="{7D49185E-361A-421B-8F2D-11C7FFC686F0}"/>
+              </a:ext>
+              <a:ext uri="{C183D7F6-B498-43B3-948B-1728B52AA6E4}">
+                <adec:decorative xmlns:adec="http://schemas.microsoft.com/office/drawing/2017/decorative" val="1"/>
+              </a:ext>
+            </a:extLst>
+          </p:cNvPr>
+          <p:cNvSpPr>
+            <a:spLocks noGrp="1" noRot="1" noChangeAspect="1" noMove="1" noResize="1" noEditPoints="1" noAdjustHandles="1" noChangeArrowheads="1" noChangeShapeType="1" noTextEdit="1"/>
+          </p:cNvSpPr>
+          <p:nvPr>
+            <p:extLst>
+              <p:ext uri="{386F3935-93C4-4BCD-93E2-E3B085C9AB24}">
+                <p16:designElem xmlns:p16="http://schemas.microsoft.com/office/powerpoint/2015/main" val="1"/>
+              </p:ext>
+            </p:extLst>
+          </p:nvPr>
+        </p:nvSpPr>
+        <p:spPr>
+          <a:xfrm>
+            <a:off x="0" y="0"/>
+            <a:ext cx="365760" cy="365760"/>
+          </a:xfrm>
+          <a:prstGeom prst="rect">
+            <a:avLst/>
+          </a:prstGeom>
+          <a:solidFill>
+            <a:schemeClr val="tx1"/>
+          </a:solidFill>
+          <a:ln>
+            <a:noFill/>
+          </a:ln>
+        </p:spPr>
+        <p:style>
+          <a:lnRef idx="2">
+            <a:schemeClr val="accent1">
+              <a:shade val="50000"/>
+            </a:schemeClr>
+          </a:lnRef>
+          <a:fillRef idx="1">
+            <a:schemeClr val="accent1"/>
+          </a:fillRef>
+          <a:effectRef idx="0">
+            <a:schemeClr val="accent1"/>
+          </a:effectRef>
+          <a:fontRef idx="minor">
+            <a:schemeClr val="lt1"/>
+          </a:fontRef>
+        </p:style>
+        <p:txBody>
+          <a:bodyPr rtlCol="0" anchor="ctr"/>
+          <a:lstStyle/>
+          <a:p>
+            <a:pPr algn="ctr"/>
+            <a:endParaRPr lang="en-US"/>
+          </a:p>
+        </p:txBody>
+      </p:sp>
+      <p:sp>
+        <p:nvSpPr>
+          <p:cNvPr id="33" name="Rectangle 32">
+            <a:extLst>
+              <a:ext uri="{FF2B5EF4-FFF2-40B4-BE49-F238E27FC236}">
+                <a16:creationId xmlns:a16="http://schemas.microsoft.com/office/drawing/2014/main" id="{14B85BAA-C37F-44B4-B427-B4F10EBB4183}"/>
+              </a:ext>
+              <a:ext uri="{C183D7F6-B498-43B3-948B-1728B52AA6E4}">
+                <adec:decorative xmlns:adec="http://schemas.microsoft.com/office/drawing/2017/decorative" val="1"/>
+              </a:ext>
+            </a:extLst>
+          </p:cNvPr>
+          <p:cNvSpPr>
+            <a:spLocks noGrp="1" noRot="1" noChangeAspect="1" noMove="1" noResize="1" noEditPoints="1" noAdjustHandles="1" noChangeArrowheads="1" noChangeShapeType="1" noTextEdit="1"/>
+          </p:cNvSpPr>
+          <p:nvPr>
+            <p:extLst>
+              <p:ext uri="{386F3935-93C4-4BCD-93E2-E3B085C9AB24}">
+                <p16:designElem xmlns:p16="http://schemas.microsoft.com/office/powerpoint/2015/main" val="1"/>
+              </p:ext>
+            </p:extLst>
+          </p:nvPr>
+        </p:nvSpPr>
+        <p:spPr>
+          <a:xfrm>
+            <a:off x="11826240" y="-4668"/>
+            <a:ext cx="365760" cy="365760"/>
+          </a:xfrm>
+          <a:prstGeom prst="rect">
+            <a:avLst/>
+          </a:prstGeom>
+          <a:solidFill>
+            <a:schemeClr val="tx1"/>
+          </a:solidFill>
+          <a:ln>
+            <a:noFill/>
+          </a:ln>
+        </p:spPr>
+        <p:style>
+          <a:lnRef idx="2">
+            <a:schemeClr val="accent1">
+              <a:shade val="50000"/>
+            </a:schemeClr>
+          </a:lnRef>
+          <a:fillRef idx="1">
+            <a:schemeClr val="accent1"/>
+          </a:fillRef>
+          <a:effectRef idx="0">
+            <a:schemeClr val="accent1"/>
+          </a:effectRef>
+          <a:fontRef idx="minor">
+            <a:schemeClr val="lt1"/>
+          </a:fontRef>
+        </p:style>
+        <p:txBody>
+          <a:bodyPr rtlCol="0" anchor="ctr"/>
+          <a:lstStyle/>
+          <a:p>
+            <a:pPr algn="ctr"/>
+            <a:endParaRPr lang="en-US"/>
+          </a:p>
+        </p:txBody>
+      </p:sp>
+      <p:sp>
+        <p:nvSpPr>
+          <p:cNvPr id="35" name="Rectangle 34">
+            <a:extLst>
+              <a:ext uri="{FF2B5EF4-FFF2-40B4-BE49-F238E27FC236}">
+                <a16:creationId xmlns:a16="http://schemas.microsoft.com/office/drawing/2014/main" id="{EDC4EE06-D7B4-4FAC-A561-38A1C380232A}"/>
+              </a:ext>
+              <a:ext uri="{C183D7F6-B498-43B3-948B-1728B52AA6E4}">
+                <adec:decorative xmlns:adec="http://schemas.microsoft.com/office/drawing/2017/decorative" val="1"/>
+              </a:ext>
+            </a:extLst>
+          </p:cNvPr>
+          <p:cNvSpPr>
+            <a:spLocks noGrp="1" noRot="1" noChangeAspect="1" noMove="1" noResize="1" noEditPoints="1" noAdjustHandles="1" noChangeArrowheads="1" noChangeShapeType="1" noTextEdit="1"/>
+          </p:cNvSpPr>
+          <p:nvPr>
+            <p:extLst>
+              <p:ext uri="{386F3935-93C4-4BCD-93E2-E3B085C9AB24}">
+                <p16:designElem xmlns:p16="http://schemas.microsoft.com/office/powerpoint/2015/main" val="1"/>
+              </p:ext>
+            </p:extLst>
+          </p:nvPr>
+        </p:nvSpPr>
+        <p:spPr>
+          <a:xfrm>
+            <a:off x="0" y="6494325"/>
+            <a:ext cx="365760" cy="365760"/>
+          </a:xfrm>
+          <a:prstGeom prst="rect">
+            <a:avLst/>
+          </a:prstGeom>
+          <a:solidFill>
+            <a:schemeClr val="tx1"/>
+          </a:solidFill>
+          <a:ln>
+            <a:noFill/>
+          </a:ln>
+        </p:spPr>
+        <p:style>
+          <a:lnRef idx="2">
+            <a:schemeClr val="accent1">
+              <a:shade val="50000"/>
+            </a:schemeClr>
+          </a:lnRef>
+          <a:fillRef idx="1">
+            <a:schemeClr val="accent1"/>
+          </a:fillRef>
+          <a:effectRef idx="0">
+            <a:schemeClr val="accent1"/>
+          </a:effectRef>
+          <a:fontRef idx="minor">
+            <a:schemeClr val="lt1"/>
+          </a:fontRef>
+        </p:style>
+        <p:txBody>
+          <a:bodyPr rtlCol="0" anchor="ctr"/>
+          <a:lstStyle/>
+          <a:p>
+            <a:pPr algn="ctr"/>
+            <a:endParaRPr lang="en-US"/>
+          </a:p>
+        </p:txBody>
+      </p:sp>
+      <p:sp>
+        <p:nvSpPr>
+          <p:cNvPr id="37" name="Rectangle 36">
+            <a:extLst>
+              <a:ext uri="{FF2B5EF4-FFF2-40B4-BE49-F238E27FC236}">
+                <a16:creationId xmlns:a16="http://schemas.microsoft.com/office/drawing/2014/main" id="{9018D83B-903C-4782-B1BB-A45164A71F60}"/>
+              </a:ext>
+              <a:ext uri="{C183D7F6-B498-43B3-948B-1728B52AA6E4}">
+                <adec:decorative xmlns:adec="http://schemas.microsoft.com/office/drawing/2017/decorative" val="1"/>
+              </a:ext>
+            </a:extLst>
+          </p:cNvPr>
+          <p:cNvSpPr>
+            <a:spLocks noGrp="1" noRot="1" noChangeAspect="1" noMove="1" noResize="1" noEditPoints="1" noAdjustHandles="1" noChangeArrowheads="1" noChangeShapeType="1" noTextEdit="1"/>
+          </p:cNvSpPr>
+          <p:nvPr>
+            <p:extLst>
+              <p:ext uri="{386F3935-93C4-4BCD-93E2-E3B085C9AB24}">
+                <p16:designElem xmlns:p16="http://schemas.microsoft.com/office/powerpoint/2015/main" val="1"/>
+              </p:ext>
+            </p:extLst>
+          </p:nvPr>
+        </p:nvSpPr>
+        <p:spPr>
+          <a:xfrm>
+            <a:off x="11826240" y="6494325"/>
+            <a:ext cx="365760" cy="365760"/>
+          </a:xfrm>
+          <a:prstGeom prst="rect">
+            <a:avLst/>
+          </a:prstGeom>
+          <a:solidFill>
+            <a:schemeClr val="tx1"/>
+          </a:solidFill>
+          <a:ln>
+            <a:noFill/>
+          </a:ln>
+        </p:spPr>
+        <p:style>
+          <a:lnRef idx="2">
+            <a:schemeClr val="accent1">
+              <a:shade val="50000"/>
+            </a:schemeClr>
+          </a:lnRef>
+          <a:fillRef idx="1">
+            <a:schemeClr val="accent1"/>
+          </a:fillRef>
+          <a:effectRef idx="0">
+            <a:schemeClr val="accent1"/>
+          </a:effectRef>
+          <a:fontRef idx="minor">
+            <a:schemeClr val="lt1"/>
+          </a:fontRef>
+        </p:style>
+        <p:txBody>
+          <a:bodyPr rtlCol="0" anchor="ctr"/>
+          <a:lstStyle/>
+          <a:p>
+            <a:pPr algn="ctr"/>
+            <a:endParaRPr lang="en-US"/>
+          </a:p>
+        </p:txBody>
+      </p:sp>
+      <p:sp>
+        <p:nvSpPr>
+          <p:cNvPr id="39" name="Rectangle 38">
+            <a:extLst>
+              <a:ext uri="{FF2B5EF4-FFF2-40B4-BE49-F238E27FC236}">
+                <a16:creationId xmlns:a16="http://schemas.microsoft.com/office/drawing/2014/main" id="{8785589A-A5AC-409A-B2A2-24D871B4CEF0}"/>
+              </a:ext>
+              <a:ext uri="{C183D7F6-B498-43B3-948B-1728B52AA6E4}">
+                <adec:decorative xmlns:adec="http://schemas.microsoft.com/office/drawing/2017/decorative" val="1"/>
+              </a:ext>
+            </a:extLst>
+          </p:cNvPr>
+          <p:cNvSpPr>
+            <a:spLocks noGrp="1" noRot="1" noChangeAspect="1" noMove="1" noResize="1" noEditPoints="1" noAdjustHandles="1" noChangeArrowheads="1" noChangeShapeType="1" noTextEdit="1"/>
+          </p:cNvSpPr>
+          <p:nvPr>
+            <p:extLst>
+              <p:ext uri="{386F3935-93C4-4BCD-93E2-E3B085C9AB24}">
+                <p16:designElem xmlns:p16="http://schemas.microsoft.com/office/powerpoint/2015/main" val="1"/>
+              </p:ext>
+            </p:extLst>
+          </p:nvPr>
+        </p:nvSpPr>
+        <p:spPr>
+          <a:xfrm>
+            <a:off x="160867" y="158782"/>
+            <a:ext cx="11870265" cy="6537850"/>
+          </a:xfrm>
+          <a:prstGeom prst="rect">
+            <a:avLst/>
+          </a:prstGeom>
+          <a:solidFill>
+            <a:srgbClr val="FFFFFF"/>
+          </a:solidFill>
+          <a:ln>
+            <a:noFill/>
+          </a:ln>
+        </p:spPr>
+        <p:style>
+          <a:lnRef idx="2">
+            <a:schemeClr val="accent1">
+              <a:shade val="50000"/>
+            </a:schemeClr>
+          </a:lnRef>
+          <a:fillRef idx="1">
+            <a:schemeClr val="accent1"/>
+          </a:fillRef>
+          <a:effectRef idx="0">
+            <a:schemeClr val="accent1"/>
+          </a:effectRef>
+          <a:fontRef idx="minor">
+            <a:schemeClr val="lt1"/>
+          </a:fontRef>
+        </p:style>
+        <p:txBody>
+          <a:bodyPr rtlCol="0" anchor="ctr"/>
+          <a:lstStyle/>
+          <a:p>
+            <a:pPr algn="ctr"/>
+            <a:endParaRPr lang="en-US"/>
+          </a:p>
+        </p:txBody>
+      </p:sp>
+      <p:pic>
+        <p:nvPicPr>
+          <p:cNvPr id="9" name="Zástupný obsah 8">
+            <a:extLst>
+              <a:ext uri="{FF2B5EF4-FFF2-40B4-BE49-F238E27FC236}">
+                <a16:creationId xmlns:a16="http://schemas.microsoft.com/office/drawing/2014/main" id="{1884D5C6-1E0C-3664-E4D6-5D1DA5A3B90E}"/>
+              </a:ext>
+            </a:extLst>
+          </p:cNvPr>
+          <p:cNvPicPr>
+            <a:picLocks noGrp="1" noChangeAspect="1"/>
+          </p:cNvPicPr>
+          <p:nvPr>
+            <p:ph idx="1"/>
+          </p:nvPr>
+        </p:nvPicPr>
+        <p:blipFill>
+          <a:blip r:embed="rId3">
+            <a:extLst>
+              <a:ext uri="{96DAC541-7B7A-43D3-8B79-37D633B846F1}">
+                <asvg:svgBlip xmlns:asvg="http://schemas.microsoft.com/office/drawing/2016/SVG/main" r:embed="rId4"/>
+              </a:ext>
+            </a:extLst>
+          </a:blip>
+          <a:stretch>
+            <a:fillRect/>
+          </a:stretch>
+        </p:blipFill>
+        <p:spPr>
+          <a:xfrm>
+            <a:off x="494163" y="480515"/>
+            <a:ext cx="11203672" cy="5892302"/>
+          </a:xfrm>
+          <a:prstGeom prst="rect">
+            <a:avLst/>
+          </a:prstGeom>
+        </p:spPr>
+      </p:pic>
+    </p:spTree>
+    <p:extLst>
+      <p:ext uri="{BB962C8B-B14F-4D97-AF65-F5344CB8AC3E}">
+        <p14:creationId xmlns:p14="http://schemas.microsoft.com/office/powerpoint/2010/main" val="4082923544"/>
+      </p:ext>
+    </p:extLst>
+  </p:cSld>
+  <p:clrMapOvr>
+    <a:masterClrMapping/>
+  </p:clrMapOvr>
+</p:sld>
+</file>
+
+<file path=ppt/slides/slide6.xml><?xml version="1.0" encoding="utf-8"?>
+<p:sld xmlns:a="http://schemas.openxmlformats.org/drawingml/2006/main" xmlns:r="http://schemas.openxmlformats.org/officeDocument/2006/relationships" xmlns:p="http://schemas.openxmlformats.org/presentationml/2006/main">
+  <p:cSld>
+    <p:bg>
+      <p:bgPr>
+        <a:solidFill>
+          <a:schemeClr val="bg2"/>
+        </a:solidFill>
+        <a:effectLst/>
+      </p:bgPr>
+    </p:bg>
+    <p:spTree>
+      <p:nvGrpSpPr>
+        <p:cNvPr id="1" name=""/>
+        <p:cNvGrpSpPr/>
+        <p:nvPr/>
+      </p:nvGrpSpPr>
+      <p:grpSpPr>
+        <a:xfrm>
+          <a:off x="0" y="0"/>
+          <a:ext cx="0" cy="0"/>
+          <a:chOff x="0" y="0"/>
+          <a:chExt cx="0" cy="0"/>
+        </a:xfrm>
+      </p:grpSpPr>
+      <p:sp>
+        <p:nvSpPr>
           <p:cNvPr id="44" name="Rectangle 43">
             <a:extLst>
               <a:ext uri="{FF2B5EF4-FFF2-40B4-BE49-F238E27FC236}">
@@ -9772,7 +10506,7 @@
 </p:sld>
 </file>
 
-<file path=ppt/slides/slide6.xml><?xml version="1.0" encoding="utf-8"?>
+<file path=ppt/slides/slide7.xml><?xml version="1.0" encoding="utf-8"?>
 <p:sld xmlns:a="http://schemas.openxmlformats.org/drawingml/2006/main" xmlns:r="http://schemas.openxmlformats.org/officeDocument/2006/relationships" xmlns:p="http://schemas.openxmlformats.org/presentationml/2006/main">
   <p:cSld>
     <p:bg>
@@ -10294,7 +11028,7 @@
 </p:sld>
 </file>
 
-<file path=ppt/slides/slide7.xml><?xml version="1.0" encoding="utf-8"?>
+<file path=ppt/slides/slide8.xml><?xml version="1.0" encoding="utf-8"?>
 <p:sld xmlns:a="http://schemas.openxmlformats.org/drawingml/2006/main" xmlns:r="http://schemas.openxmlformats.org/officeDocument/2006/relationships" xmlns:p="http://schemas.openxmlformats.org/presentationml/2006/main">
   <p:cSld>
     <p:bg>
@@ -10816,7 +11550,7 @@
 </p:sld>
 </file>
 
-<file path=ppt/slides/slide8.xml><?xml version="1.0" encoding="utf-8"?>
+<file path=ppt/slides/slide9.xml><?xml version="1.0" encoding="utf-8"?>
 <p:sld xmlns:a="http://schemas.openxmlformats.org/drawingml/2006/main" xmlns:r="http://schemas.openxmlformats.org/officeDocument/2006/relationships" xmlns:p="http://schemas.openxmlformats.org/presentationml/2006/main">
   <p:cSld>
     <p:bg>
@@ -11329,528 +12063,6 @@
     <p:extLst>
       <p:ext uri="{BB962C8B-B14F-4D97-AF65-F5344CB8AC3E}">
         <p14:creationId xmlns:p14="http://schemas.microsoft.com/office/powerpoint/2010/main" val="420195976"/>
-      </p:ext>
-    </p:extLst>
-  </p:cSld>
-  <p:clrMapOvr>
-    <a:masterClrMapping/>
-  </p:clrMapOvr>
-</p:sld>
-</file>
-
-<file path=ppt/slides/slide9.xml><?xml version="1.0" encoding="utf-8"?>
-<p:sld xmlns:a="http://schemas.openxmlformats.org/drawingml/2006/main" xmlns:r="http://schemas.openxmlformats.org/officeDocument/2006/relationships" xmlns:p="http://schemas.openxmlformats.org/presentationml/2006/main">
-  <p:cSld>
-    <p:bg>
-      <p:bgPr>
-        <a:solidFill>
-          <a:schemeClr val="bg2"/>
-        </a:solidFill>
-        <a:effectLst/>
-      </p:bgPr>
-    </p:bg>
-    <p:spTree>
-      <p:nvGrpSpPr>
-        <p:cNvPr id="1" name="">
-          <a:extLst>
-            <a:ext uri="{FF2B5EF4-FFF2-40B4-BE49-F238E27FC236}">
-              <a16:creationId xmlns:a16="http://schemas.microsoft.com/office/drawing/2014/main" id="{201F0BCA-568C-0C12-B9E2-8AE477317CA5}"/>
-            </a:ext>
-          </a:extLst>
-        </p:cNvPr>
-        <p:cNvGrpSpPr/>
-        <p:nvPr/>
-      </p:nvGrpSpPr>
-      <p:grpSpPr>
-        <a:xfrm>
-          <a:off x="0" y="0"/>
-          <a:ext cx="0" cy="0"/>
-          <a:chOff x="0" y="0"/>
-          <a:chExt cx="0" cy="0"/>
-        </a:xfrm>
-      </p:grpSpPr>
-      <p:sp>
-        <p:nvSpPr>
-          <p:cNvPr id="44" name="Rectangle 43">
-            <a:extLst>
-              <a:ext uri="{FF2B5EF4-FFF2-40B4-BE49-F238E27FC236}">
-                <a16:creationId xmlns:a16="http://schemas.microsoft.com/office/drawing/2014/main" id="{AA6EC888-B85F-410F-B430-06583E94BEEC}"/>
-              </a:ext>
-              <a:ext uri="{C183D7F6-B498-43B3-948B-1728B52AA6E4}">
-                <adec:decorative xmlns:adec="http://schemas.microsoft.com/office/drawing/2017/decorative" val="1"/>
-              </a:ext>
-            </a:extLst>
-          </p:cNvPr>
-          <p:cNvSpPr>
-            <a:spLocks noGrp="1" noRot="1" noChangeAspect="1" noMove="1" noResize="1" noEditPoints="1" noAdjustHandles="1" noChangeArrowheads="1" noChangeShapeType="1" noTextEdit="1"/>
-          </p:cNvSpPr>
-          <p:nvPr>
-            <p:extLst>
-              <p:ext uri="{386F3935-93C4-4BCD-93E2-E3B085C9AB24}">
-                <p16:designElem xmlns:p16="http://schemas.microsoft.com/office/powerpoint/2015/main" val="1"/>
-              </p:ext>
-            </p:extLst>
-          </p:nvPr>
-        </p:nvSpPr>
-        <p:spPr>
-          <a:xfrm>
-            <a:off x="478095" y="376"/>
-            <a:ext cx="228600" cy="6858000"/>
-          </a:xfrm>
-          <a:prstGeom prst="rect">
-            <a:avLst/>
-          </a:prstGeom>
-          <a:solidFill>
-            <a:schemeClr val="tx2"/>
-          </a:solidFill>
-          <a:ln>
-            <a:noFill/>
-          </a:ln>
-        </p:spPr>
-        <p:style>
-          <a:lnRef idx="2">
-            <a:schemeClr val="accent1">
-              <a:shade val="50000"/>
-            </a:schemeClr>
-          </a:lnRef>
-          <a:fillRef idx="1">
-            <a:schemeClr val="accent1"/>
-          </a:fillRef>
-          <a:effectRef idx="0">
-            <a:schemeClr val="accent1"/>
-          </a:effectRef>
-          <a:fontRef idx="minor">
-            <a:schemeClr val="lt1"/>
-          </a:fontRef>
-        </p:style>
-        <p:txBody>
-          <a:bodyPr/>
-          <a:lstStyle/>
-          <a:p>
-            <a:endParaRPr lang="cs-CZ"/>
-          </a:p>
-        </p:txBody>
-      </p:sp>
-      <p:sp>
-        <p:nvSpPr>
-          <p:cNvPr id="46" name="Rectangle 45">
-            <a:extLst>
-              <a:ext uri="{FF2B5EF4-FFF2-40B4-BE49-F238E27FC236}">
-                <a16:creationId xmlns:a16="http://schemas.microsoft.com/office/drawing/2014/main" id="{9485DA84-CB73-4E5E-9864-2460CE28055D}"/>
-              </a:ext>
-              <a:ext uri="{C183D7F6-B498-43B3-948B-1728B52AA6E4}">
-                <adec:decorative xmlns:adec="http://schemas.microsoft.com/office/drawing/2017/decorative" val="1"/>
-              </a:ext>
-            </a:extLst>
-          </p:cNvPr>
-          <p:cNvSpPr>
-            <a:spLocks noGrp="1" noRot="1" noChangeAspect="1" noMove="1" noResize="1" noEditPoints="1" noAdjustHandles="1" noChangeArrowheads="1" noChangeShapeType="1" noTextEdit="1"/>
-          </p:cNvSpPr>
-          <p:nvPr>
-            <p:extLst>
-              <p:ext uri="{386F3935-93C4-4BCD-93E2-E3B085C9AB24}">
-                <p16:designElem xmlns:p16="http://schemas.microsoft.com/office/powerpoint/2015/main" val="1"/>
-              </p:ext>
-            </p:extLst>
-          </p:nvPr>
-        </p:nvSpPr>
-        <p:spPr>
-          <a:xfrm>
-            <a:off x="0" y="0"/>
-            <a:ext cx="12192000" cy="6858000"/>
-          </a:xfrm>
-          <a:prstGeom prst="rect">
-            <a:avLst/>
-          </a:prstGeom>
-          <a:solidFill>
-            <a:schemeClr val="bg2"/>
-          </a:solidFill>
-          <a:ln>
-            <a:noFill/>
-          </a:ln>
-        </p:spPr>
-        <p:style>
-          <a:lnRef idx="2">
-            <a:schemeClr val="accent1">
-              <a:shade val="50000"/>
-            </a:schemeClr>
-          </a:lnRef>
-          <a:fillRef idx="1">
-            <a:schemeClr val="accent1"/>
-          </a:fillRef>
-          <a:effectRef idx="0">
-            <a:schemeClr val="accent1"/>
-          </a:effectRef>
-          <a:fontRef idx="minor">
-            <a:schemeClr val="lt1"/>
-          </a:fontRef>
-        </p:style>
-        <p:txBody>
-          <a:bodyPr rtlCol="0" anchor="ctr"/>
-          <a:lstStyle/>
-          <a:p>
-            <a:pPr algn="ctr"/>
-            <a:endParaRPr lang="en-US"/>
-          </a:p>
-        </p:txBody>
-      </p:sp>
-      <p:sp>
-        <p:nvSpPr>
-          <p:cNvPr id="48" name="Rectangle 47">
-            <a:extLst>
-              <a:ext uri="{FF2B5EF4-FFF2-40B4-BE49-F238E27FC236}">
-                <a16:creationId xmlns:a16="http://schemas.microsoft.com/office/drawing/2014/main" id="{7D49185E-361A-421B-8F2D-11C7FFC686F0}"/>
-              </a:ext>
-              <a:ext uri="{C183D7F6-B498-43B3-948B-1728B52AA6E4}">
-                <adec:decorative xmlns:adec="http://schemas.microsoft.com/office/drawing/2017/decorative" val="1"/>
-              </a:ext>
-            </a:extLst>
-          </p:cNvPr>
-          <p:cNvSpPr>
-            <a:spLocks noGrp="1" noRot="1" noChangeAspect="1" noMove="1" noResize="1" noEditPoints="1" noAdjustHandles="1" noChangeArrowheads="1" noChangeShapeType="1" noTextEdit="1"/>
-          </p:cNvSpPr>
-          <p:nvPr>
-            <p:extLst>
-              <p:ext uri="{386F3935-93C4-4BCD-93E2-E3B085C9AB24}">
-                <p16:designElem xmlns:p16="http://schemas.microsoft.com/office/powerpoint/2015/main" val="1"/>
-              </p:ext>
-            </p:extLst>
-          </p:nvPr>
-        </p:nvSpPr>
-        <p:spPr>
-          <a:xfrm>
-            <a:off x="0" y="0"/>
-            <a:ext cx="365760" cy="365760"/>
-          </a:xfrm>
-          <a:prstGeom prst="rect">
-            <a:avLst/>
-          </a:prstGeom>
-          <a:solidFill>
-            <a:schemeClr val="tx1"/>
-          </a:solidFill>
-          <a:ln>
-            <a:noFill/>
-          </a:ln>
-        </p:spPr>
-        <p:style>
-          <a:lnRef idx="2">
-            <a:schemeClr val="accent1">
-              <a:shade val="50000"/>
-            </a:schemeClr>
-          </a:lnRef>
-          <a:fillRef idx="1">
-            <a:schemeClr val="accent1"/>
-          </a:fillRef>
-          <a:effectRef idx="0">
-            <a:schemeClr val="accent1"/>
-          </a:effectRef>
-          <a:fontRef idx="minor">
-            <a:schemeClr val="lt1"/>
-          </a:fontRef>
-        </p:style>
-        <p:txBody>
-          <a:bodyPr rtlCol="0" anchor="ctr"/>
-          <a:lstStyle/>
-          <a:p>
-            <a:pPr algn="ctr"/>
-            <a:endParaRPr lang="en-US"/>
-          </a:p>
-        </p:txBody>
-      </p:sp>
-      <p:sp>
-        <p:nvSpPr>
-          <p:cNvPr id="50" name="Rectangle 49">
-            <a:extLst>
-              <a:ext uri="{FF2B5EF4-FFF2-40B4-BE49-F238E27FC236}">
-                <a16:creationId xmlns:a16="http://schemas.microsoft.com/office/drawing/2014/main" id="{14B85BAA-C37F-44B4-B427-B4F10EBB4183}"/>
-              </a:ext>
-              <a:ext uri="{C183D7F6-B498-43B3-948B-1728B52AA6E4}">
-                <adec:decorative xmlns:adec="http://schemas.microsoft.com/office/drawing/2017/decorative" val="1"/>
-              </a:ext>
-            </a:extLst>
-          </p:cNvPr>
-          <p:cNvSpPr>
-            <a:spLocks noGrp="1" noRot="1" noChangeAspect="1" noMove="1" noResize="1" noEditPoints="1" noAdjustHandles="1" noChangeArrowheads="1" noChangeShapeType="1" noTextEdit="1"/>
-          </p:cNvSpPr>
-          <p:nvPr>
-            <p:extLst>
-              <p:ext uri="{386F3935-93C4-4BCD-93E2-E3B085C9AB24}">
-                <p16:designElem xmlns:p16="http://schemas.microsoft.com/office/powerpoint/2015/main" val="1"/>
-              </p:ext>
-            </p:extLst>
-          </p:nvPr>
-        </p:nvSpPr>
-        <p:spPr>
-          <a:xfrm>
-            <a:off x="11826240" y="-4668"/>
-            <a:ext cx="365760" cy="365760"/>
-          </a:xfrm>
-          <a:prstGeom prst="rect">
-            <a:avLst/>
-          </a:prstGeom>
-          <a:solidFill>
-            <a:schemeClr val="tx1"/>
-          </a:solidFill>
-          <a:ln>
-            <a:noFill/>
-          </a:ln>
-        </p:spPr>
-        <p:style>
-          <a:lnRef idx="2">
-            <a:schemeClr val="accent1">
-              <a:shade val="50000"/>
-            </a:schemeClr>
-          </a:lnRef>
-          <a:fillRef idx="1">
-            <a:schemeClr val="accent1"/>
-          </a:fillRef>
-          <a:effectRef idx="0">
-            <a:schemeClr val="accent1"/>
-          </a:effectRef>
-          <a:fontRef idx="minor">
-            <a:schemeClr val="lt1"/>
-          </a:fontRef>
-        </p:style>
-        <p:txBody>
-          <a:bodyPr rtlCol="0" anchor="ctr"/>
-          <a:lstStyle/>
-          <a:p>
-            <a:pPr algn="ctr"/>
-            <a:endParaRPr lang="en-US"/>
-          </a:p>
-        </p:txBody>
-      </p:sp>
-      <p:sp>
-        <p:nvSpPr>
-          <p:cNvPr id="52" name="Rectangle 51">
-            <a:extLst>
-              <a:ext uri="{FF2B5EF4-FFF2-40B4-BE49-F238E27FC236}">
-                <a16:creationId xmlns:a16="http://schemas.microsoft.com/office/drawing/2014/main" id="{EDC4EE06-D7B4-4FAC-A561-38A1C380232A}"/>
-              </a:ext>
-              <a:ext uri="{C183D7F6-B498-43B3-948B-1728B52AA6E4}">
-                <adec:decorative xmlns:adec="http://schemas.microsoft.com/office/drawing/2017/decorative" val="1"/>
-              </a:ext>
-            </a:extLst>
-          </p:cNvPr>
-          <p:cNvSpPr>
-            <a:spLocks noGrp="1" noRot="1" noChangeAspect="1" noMove="1" noResize="1" noEditPoints="1" noAdjustHandles="1" noChangeArrowheads="1" noChangeShapeType="1" noTextEdit="1"/>
-          </p:cNvSpPr>
-          <p:nvPr>
-            <p:extLst>
-              <p:ext uri="{386F3935-93C4-4BCD-93E2-E3B085C9AB24}">
-                <p16:designElem xmlns:p16="http://schemas.microsoft.com/office/powerpoint/2015/main" val="1"/>
-              </p:ext>
-            </p:extLst>
-          </p:nvPr>
-        </p:nvSpPr>
-        <p:spPr>
-          <a:xfrm>
-            <a:off x="0" y="6494325"/>
-            <a:ext cx="365760" cy="365760"/>
-          </a:xfrm>
-          <a:prstGeom prst="rect">
-            <a:avLst/>
-          </a:prstGeom>
-          <a:solidFill>
-            <a:schemeClr val="tx1"/>
-          </a:solidFill>
-          <a:ln>
-            <a:noFill/>
-          </a:ln>
-        </p:spPr>
-        <p:style>
-          <a:lnRef idx="2">
-            <a:schemeClr val="accent1">
-              <a:shade val="50000"/>
-            </a:schemeClr>
-          </a:lnRef>
-          <a:fillRef idx="1">
-            <a:schemeClr val="accent1"/>
-          </a:fillRef>
-          <a:effectRef idx="0">
-            <a:schemeClr val="accent1"/>
-          </a:effectRef>
-          <a:fontRef idx="minor">
-            <a:schemeClr val="lt1"/>
-          </a:fontRef>
-        </p:style>
-        <p:txBody>
-          <a:bodyPr rtlCol="0" anchor="ctr"/>
-          <a:lstStyle/>
-          <a:p>
-            <a:pPr algn="ctr"/>
-            <a:endParaRPr lang="en-US"/>
-          </a:p>
-        </p:txBody>
-      </p:sp>
-      <p:sp>
-        <p:nvSpPr>
-          <p:cNvPr id="54" name="Rectangle 53">
-            <a:extLst>
-              <a:ext uri="{FF2B5EF4-FFF2-40B4-BE49-F238E27FC236}">
-                <a16:creationId xmlns:a16="http://schemas.microsoft.com/office/drawing/2014/main" id="{9018D83B-903C-4782-B1BB-A45164A71F60}"/>
-              </a:ext>
-              <a:ext uri="{C183D7F6-B498-43B3-948B-1728B52AA6E4}">
-                <adec:decorative xmlns:adec="http://schemas.microsoft.com/office/drawing/2017/decorative" val="1"/>
-              </a:ext>
-            </a:extLst>
-          </p:cNvPr>
-          <p:cNvSpPr>
-            <a:spLocks noGrp="1" noRot="1" noChangeAspect="1" noMove="1" noResize="1" noEditPoints="1" noAdjustHandles="1" noChangeArrowheads="1" noChangeShapeType="1" noTextEdit="1"/>
-          </p:cNvSpPr>
-          <p:nvPr>
-            <p:extLst>
-              <p:ext uri="{386F3935-93C4-4BCD-93E2-E3B085C9AB24}">
-                <p16:designElem xmlns:p16="http://schemas.microsoft.com/office/powerpoint/2015/main" val="1"/>
-              </p:ext>
-            </p:extLst>
-          </p:nvPr>
-        </p:nvSpPr>
-        <p:spPr>
-          <a:xfrm>
-            <a:off x="11826240" y="6494325"/>
-            <a:ext cx="365760" cy="365760"/>
-          </a:xfrm>
-          <a:prstGeom prst="rect">
-            <a:avLst/>
-          </a:prstGeom>
-          <a:solidFill>
-            <a:schemeClr val="tx1"/>
-          </a:solidFill>
-          <a:ln>
-            <a:noFill/>
-          </a:ln>
-        </p:spPr>
-        <p:style>
-          <a:lnRef idx="2">
-            <a:schemeClr val="accent1">
-              <a:shade val="50000"/>
-            </a:schemeClr>
-          </a:lnRef>
-          <a:fillRef idx="1">
-            <a:schemeClr val="accent1"/>
-          </a:fillRef>
-          <a:effectRef idx="0">
-            <a:schemeClr val="accent1"/>
-          </a:effectRef>
-          <a:fontRef idx="minor">
-            <a:schemeClr val="lt1"/>
-          </a:fontRef>
-        </p:style>
-        <p:txBody>
-          <a:bodyPr rtlCol="0" anchor="ctr"/>
-          <a:lstStyle/>
-          <a:p>
-            <a:pPr algn="ctr"/>
-            <a:endParaRPr lang="en-US"/>
-          </a:p>
-        </p:txBody>
-      </p:sp>
-      <p:sp>
-        <p:nvSpPr>
-          <p:cNvPr id="56" name="Rectangle 55">
-            <a:extLst>
-              <a:ext uri="{FF2B5EF4-FFF2-40B4-BE49-F238E27FC236}">
-                <a16:creationId xmlns:a16="http://schemas.microsoft.com/office/drawing/2014/main" id="{8785589A-A5AC-409A-B2A2-24D871B4CEF0}"/>
-              </a:ext>
-              <a:ext uri="{C183D7F6-B498-43B3-948B-1728B52AA6E4}">
-                <adec:decorative xmlns:adec="http://schemas.microsoft.com/office/drawing/2017/decorative" val="1"/>
-              </a:ext>
-            </a:extLst>
-          </p:cNvPr>
-          <p:cNvSpPr>
-            <a:spLocks noGrp="1" noRot="1" noChangeAspect="1" noMove="1" noResize="1" noEditPoints="1" noAdjustHandles="1" noChangeArrowheads="1" noChangeShapeType="1" noTextEdit="1"/>
-          </p:cNvSpPr>
-          <p:nvPr>
-            <p:extLst>
-              <p:ext uri="{386F3935-93C4-4BCD-93E2-E3B085C9AB24}">
-                <p16:designElem xmlns:p16="http://schemas.microsoft.com/office/powerpoint/2015/main" val="1"/>
-              </p:ext>
-            </p:extLst>
-          </p:nvPr>
-        </p:nvSpPr>
-        <p:spPr>
-          <a:xfrm>
-            <a:off x="160867" y="158782"/>
-            <a:ext cx="11870265" cy="6537850"/>
-          </a:xfrm>
-          <a:prstGeom prst="rect">
-            <a:avLst/>
-          </a:prstGeom>
-          <a:solidFill>
-            <a:srgbClr val="FFFFFF"/>
-          </a:solidFill>
-          <a:ln>
-            <a:noFill/>
-          </a:ln>
-        </p:spPr>
-        <p:style>
-          <a:lnRef idx="2">
-            <a:schemeClr val="accent1">
-              <a:shade val="50000"/>
-            </a:schemeClr>
-          </a:lnRef>
-          <a:fillRef idx="1">
-            <a:schemeClr val="accent1"/>
-          </a:fillRef>
-          <a:effectRef idx="0">
-            <a:schemeClr val="accent1"/>
-          </a:effectRef>
-          <a:fontRef idx="minor">
-            <a:schemeClr val="lt1"/>
-          </a:fontRef>
-        </p:style>
-        <p:txBody>
-          <a:bodyPr rtlCol="0" anchor="ctr"/>
-          <a:lstStyle/>
-          <a:p>
-            <a:pPr algn="ctr"/>
-            <a:endParaRPr lang="en-US"/>
-          </a:p>
-        </p:txBody>
-      </p:sp>
-      <p:pic>
-        <p:nvPicPr>
-          <p:cNvPr id="8" name="Zástupný obsah 7">
-            <a:extLst>
-              <a:ext uri="{FF2B5EF4-FFF2-40B4-BE49-F238E27FC236}">
-                <a16:creationId xmlns:a16="http://schemas.microsoft.com/office/drawing/2014/main" id="{F3DF7232-A9BE-7E94-BCE9-5737A30533F9}"/>
-              </a:ext>
-            </a:extLst>
-          </p:cNvPr>
-          <p:cNvPicPr>
-            <a:picLocks noGrp="1" noChangeAspect="1"/>
-          </p:cNvPicPr>
-          <p:nvPr>
-            <p:ph idx="1"/>
-          </p:nvPr>
-        </p:nvPicPr>
-        <p:blipFill>
-          <a:blip r:embed="rId3">
-            <a:extLst>
-              <a:ext uri="{96DAC541-7B7A-43D3-8B79-37D633B846F1}">
-                <asvg:svgBlip xmlns:asvg="http://schemas.microsoft.com/office/drawing/2016/SVG/main" r:embed="rId4"/>
-              </a:ext>
-            </a:extLst>
-          </a:blip>
-          <a:stretch>
-            <a:fillRect/>
-          </a:stretch>
-        </p:blipFill>
-        <p:spPr>
-          <a:xfrm>
-            <a:off x="482600" y="551150"/>
-            <a:ext cx="11226799" cy="5751031"/>
-          </a:xfrm>
-          <a:prstGeom prst="rect">
-            <a:avLst/>
-          </a:prstGeom>
-        </p:spPr>
-      </p:pic>
-    </p:spTree>
-    <p:extLst>
-      <p:ext uri="{BB962C8B-B14F-4D97-AF65-F5344CB8AC3E}">
-        <p14:creationId xmlns:p14="http://schemas.microsoft.com/office/powerpoint/2010/main" val="3624759974"/>
       </p:ext>
     </p:extLst>
   </p:cSld>

--- a/Injuries_CR_2022.pptx
+++ b/Injuries_CR_2022.pptx
@@ -7023,7 +7023,7 @@
       </p:grpSpPr>
       <p:sp>
         <p:nvSpPr>
-          <p:cNvPr id="44" name="Rectangle 43">
+          <p:cNvPr id="61" name="Rectangle 60">
             <a:extLst>
               <a:ext uri="{FF2B5EF4-FFF2-40B4-BE49-F238E27FC236}">
                 <a16:creationId xmlns:a16="http://schemas.microsoft.com/office/drawing/2014/main" id="{AA6EC888-B85F-410F-B430-06583E94BEEC}"/>
@@ -7085,7 +7085,7 @@
       </p:sp>
       <p:sp>
         <p:nvSpPr>
-          <p:cNvPr id="46" name="Rectangle 45">
+          <p:cNvPr id="63" name="Rectangle 62">
             <a:extLst>
               <a:ext uri="{FF2B5EF4-FFF2-40B4-BE49-F238E27FC236}">
                 <a16:creationId xmlns:a16="http://schemas.microsoft.com/office/drawing/2014/main" id="{9485DA84-CB73-4E5E-9864-2460CE28055D}"/>
@@ -7148,7 +7148,7 @@
       </p:sp>
       <p:sp>
         <p:nvSpPr>
-          <p:cNvPr id="48" name="Rectangle 47">
+          <p:cNvPr id="65" name="Rectangle 64">
             <a:extLst>
               <a:ext uri="{FF2B5EF4-FFF2-40B4-BE49-F238E27FC236}">
                 <a16:creationId xmlns:a16="http://schemas.microsoft.com/office/drawing/2014/main" id="{7D49185E-361A-421B-8F2D-11C7FFC686F0}"/>
@@ -7211,7 +7211,7 @@
       </p:sp>
       <p:sp>
         <p:nvSpPr>
-          <p:cNvPr id="50" name="Rectangle 49">
+          <p:cNvPr id="67" name="Rectangle 66">
             <a:extLst>
               <a:ext uri="{FF2B5EF4-FFF2-40B4-BE49-F238E27FC236}">
                 <a16:creationId xmlns:a16="http://schemas.microsoft.com/office/drawing/2014/main" id="{14B85BAA-C37F-44B4-B427-B4F10EBB4183}"/>
@@ -7274,7 +7274,7 @@
       </p:sp>
       <p:sp>
         <p:nvSpPr>
-          <p:cNvPr id="52" name="Rectangle 51">
+          <p:cNvPr id="69" name="Rectangle 68">
             <a:extLst>
               <a:ext uri="{FF2B5EF4-FFF2-40B4-BE49-F238E27FC236}">
                 <a16:creationId xmlns:a16="http://schemas.microsoft.com/office/drawing/2014/main" id="{EDC4EE06-D7B4-4FAC-A561-38A1C380232A}"/>
@@ -7337,7 +7337,7 @@
       </p:sp>
       <p:sp>
         <p:nvSpPr>
-          <p:cNvPr id="54" name="Rectangle 53">
+          <p:cNvPr id="71" name="Rectangle 70">
             <a:extLst>
               <a:ext uri="{FF2B5EF4-FFF2-40B4-BE49-F238E27FC236}">
                 <a16:creationId xmlns:a16="http://schemas.microsoft.com/office/drawing/2014/main" id="{9018D83B-903C-4782-B1BB-A45164A71F60}"/>
@@ -7400,7 +7400,7 @@
       </p:sp>
       <p:sp>
         <p:nvSpPr>
-          <p:cNvPr id="56" name="Rectangle 55">
+          <p:cNvPr id="73" name="Rectangle 72">
             <a:extLst>
               <a:ext uri="{FF2B5EF4-FFF2-40B4-BE49-F238E27FC236}">
                 <a16:creationId xmlns:a16="http://schemas.microsoft.com/office/drawing/2014/main" id="{8785589A-A5AC-409A-B2A2-24D871B4CEF0}"/>
@@ -7463,10 +7463,10 @@
       </p:sp>
       <p:pic>
         <p:nvPicPr>
-          <p:cNvPr id="8" name="Zástupný obsah 7">
+          <p:cNvPr id="5" name="Zástupný obsah 4">
             <a:extLst>
               <a:ext uri="{FF2B5EF4-FFF2-40B4-BE49-F238E27FC236}">
-                <a16:creationId xmlns:a16="http://schemas.microsoft.com/office/drawing/2014/main" id="{F3DF7232-A9BE-7E94-BCE9-5737A30533F9}"/>
+                <a16:creationId xmlns:a16="http://schemas.microsoft.com/office/drawing/2014/main" id="{A82C6DF6-3595-9292-E011-1A5035CD14DB}"/>
               </a:ext>
             </a:extLst>
           </p:cNvPr>
@@ -11583,7 +11583,7 @@
       </p:grpSpPr>
       <p:sp>
         <p:nvSpPr>
-          <p:cNvPr id="61" name="Rectangle 60">
+          <p:cNvPr id="78" name="Rectangle 77">
             <a:extLst>
               <a:ext uri="{FF2B5EF4-FFF2-40B4-BE49-F238E27FC236}">
                 <a16:creationId xmlns:a16="http://schemas.microsoft.com/office/drawing/2014/main" id="{AA6EC888-B85F-410F-B430-06583E94BEEC}"/>
@@ -11645,7 +11645,7 @@
       </p:sp>
       <p:sp>
         <p:nvSpPr>
-          <p:cNvPr id="63" name="Rectangle 62">
+          <p:cNvPr id="80" name="Rectangle 79">
             <a:extLst>
               <a:ext uri="{FF2B5EF4-FFF2-40B4-BE49-F238E27FC236}">
                 <a16:creationId xmlns:a16="http://schemas.microsoft.com/office/drawing/2014/main" id="{9485DA84-CB73-4E5E-9864-2460CE28055D}"/>
@@ -11708,7 +11708,7 @@
       </p:sp>
       <p:sp>
         <p:nvSpPr>
-          <p:cNvPr id="65" name="Rectangle 64">
+          <p:cNvPr id="82" name="Rectangle 81">
             <a:extLst>
               <a:ext uri="{FF2B5EF4-FFF2-40B4-BE49-F238E27FC236}">
                 <a16:creationId xmlns:a16="http://schemas.microsoft.com/office/drawing/2014/main" id="{7D49185E-361A-421B-8F2D-11C7FFC686F0}"/>
@@ -11771,7 +11771,7 @@
       </p:sp>
       <p:sp>
         <p:nvSpPr>
-          <p:cNvPr id="67" name="Rectangle 66">
+          <p:cNvPr id="84" name="Rectangle 83">
             <a:extLst>
               <a:ext uri="{FF2B5EF4-FFF2-40B4-BE49-F238E27FC236}">
                 <a16:creationId xmlns:a16="http://schemas.microsoft.com/office/drawing/2014/main" id="{14B85BAA-C37F-44B4-B427-B4F10EBB4183}"/>
@@ -11834,7 +11834,7 @@
       </p:sp>
       <p:sp>
         <p:nvSpPr>
-          <p:cNvPr id="69" name="Rectangle 68">
+          <p:cNvPr id="86" name="Rectangle 85">
             <a:extLst>
               <a:ext uri="{FF2B5EF4-FFF2-40B4-BE49-F238E27FC236}">
                 <a16:creationId xmlns:a16="http://schemas.microsoft.com/office/drawing/2014/main" id="{EDC4EE06-D7B4-4FAC-A561-38A1C380232A}"/>
@@ -11897,7 +11897,7 @@
       </p:sp>
       <p:sp>
         <p:nvSpPr>
-          <p:cNvPr id="71" name="Rectangle 70">
+          <p:cNvPr id="88" name="Rectangle 87">
             <a:extLst>
               <a:ext uri="{FF2B5EF4-FFF2-40B4-BE49-F238E27FC236}">
                 <a16:creationId xmlns:a16="http://schemas.microsoft.com/office/drawing/2014/main" id="{9018D83B-903C-4782-B1BB-A45164A71F60}"/>
@@ -11960,7 +11960,7 @@
       </p:sp>
       <p:sp>
         <p:nvSpPr>
-          <p:cNvPr id="73" name="Rectangle 72">
+          <p:cNvPr id="90" name="Rectangle 89">
             <a:extLst>
               <a:ext uri="{FF2B5EF4-FFF2-40B4-BE49-F238E27FC236}">
                 <a16:creationId xmlns:a16="http://schemas.microsoft.com/office/drawing/2014/main" id="{8785589A-A5AC-409A-B2A2-24D871B4CEF0}"/>
@@ -12023,10 +12023,10 @@
       </p:sp>
       <p:pic>
         <p:nvPicPr>
-          <p:cNvPr id="15" name="Zástupný obsah 14">
+          <p:cNvPr id="5" name="Zástupný obsah 4">
             <a:extLst>
               <a:ext uri="{FF2B5EF4-FFF2-40B4-BE49-F238E27FC236}">
-                <a16:creationId xmlns:a16="http://schemas.microsoft.com/office/drawing/2014/main" id="{5455061A-DCA6-9680-29A3-0FEA2A03C615}"/>
+                <a16:creationId xmlns:a16="http://schemas.microsoft.com/office/drawing/2014/main" id="{CA741D71-94D2-EC82-F154-307BCF5AC2D1}"/>
               </a:ext>
             </a:extLst>
           </p:cNvPr>
@@ -12051,8 +12051,8 @@
         </p:blipFill>
         <p:spPr>
           <a:xfrm>
-            <a:off x="482600" y="546235"/>
-            <a:ext cx="11226799" cy="5760861"/>
+            <a:off x="626013" y="480515"/>
+            <a:ext cx="10939973" cy="5892302"/>
           </a:xfrm>
           <a:prstGeom prst="rect">
             <a:avLst/>
